--- a/case_study_template_1_16_9_de.pptx
+++ b/case_study_template_1_16_9_de.pptx
@@ -122,6 +122,14 @@
     </p:ext>
   </p:extLst>
 </p:presentation>
+</file>
+
+<file path=ppt/revisionInfo.xml><?xml version="1.0" encoding="utf-8"?>
+<p1510:revInfo xmlns:a="http://schemas.openxmlformats.org/drawingml/2006/main" xmlns:r="http://schemas.openxmlformats.org/officeDocument/2006/relationships" xmlns:p1510="http://schemas.microsoft.com/office/powerpoint/2015/10/main">
+  <p1510:revLst>
+    <p1510:client id="{7565AB0A-5E6A-4A6E-A466-98EA7772229E}" v="1" dt="2024-09-05T13:50:48.549"/>
+  </p1510:revLst>
+</p1510:revInfo>
 </file>
 
 <file path=ppt/changesInfos/changesInfo1.xml><?xml version="1.0" encoding="utf-8"?>
@@ -642,11 +650,58 @@
   </pc:docChgLst>
   <pc:docChgLst>
     <pc:chgData name="vonWaldow, Ulrich" userId="c64b3fe1-2fbf-4408-adc4-30add62e991f" providerId="ADAL" clId="{7565AB0A-5E6A-4A6E-A466-98EA7772229E}"/>
-    <pc:docChg chg="modMainMaster">
-      <pc:chgData name="vonWaldow, Ulrich" userId="c64b3fe1-2fbf-4408-adc4-30add62e991f" providerId="ADAL" clId="{7565AB0A-5E6A-4A6E-A466-98EA7772229E}" dt="2024-08-26T10:58:04.057" v="17" actId="20577"/>
+    <pc:docChg chg="undo redo custSel modSld modMainMaster">
+      <pc:chgData name="vonWaldow, Ulrich" userId="c64b3fe1-2fbf-4408-adc4-30add62e991f" providerId="ADAL" clId="{7565AB0A-5E6A-4A6E-A466-98EA7772229E}" dt="2024-09-05T13:53:44.371" v="38" actId="478"/>
       <pc:docMkLst>
         <pc:docMk/>
       </pc:docMkLst>
+      <pc:sldChg chg="addSp delSp modSp mod">
+        <pc:chgData name="vonWaldow, Ulrich" userId="c64b3fe1-2fbf-4408-adc4-30add62e991f" providerId="ADAL" clId="{7565AB0A-5E6A-4A6E-A466-98EA7772229E}" dt="2024-09-05T13:53:44.371" v="38" actId="478"/>
+        <pc:sldMkLst>
+          <pc:docMk/>
+          <pc:sldMk cId="1636317749" sldId="262"/>
+        </pc:sldMkLst>
+        <pc:spChg chg="add del mod">
+          <ac:chgData name="vonWaldow, Ulrich" userId="c64b3fe1-2fbf-4408-adc4-30add62e991f" providerId="ADAL" clId="{7565AB0A-5E6A-4A6E-A466-98EA7772229E}" dt="2024-09-05T13:53:44.371" v="38" actId="478"/>
+          <ac:spMkLst>
+            <pc:docMk/>
+            <pc:sldMk cId="1636317749" sldId="262"/>
+            <ac:spMk id="2" creationId="{DD6C6BF0-988A-A0EA-B1DA-C8D082C8539C}"/>
+          </ac:spMkLst>
+        </pc:spChg>
+        <pc:spChg chg="mod">
+          <ac:chgData name="vonWaldow, Ulrich" userId="c64b3fe1-2fbf-4408-adc4-30add62e991f" providerId="ADAL" clId="{7565AB0A-5E6A-4A6E-A466-98EA7772229E}" dt="2024-09-05T13:53:25.879" v="36"/>
+          <ac:spMkLst>
+            <pc:docMk/>
+            <pc:sldMk cId="1636317749" sldId="262"/>
+            <ac:spMk id="21" creationId="{43A58038-ABE8-5392-73A3-BEDB4C1F356C}"/>
+          </ac:spMkLst>
+        </pc:spChg>
+        <pc:spChg chg="mod">
+          <ac:chgData name="vonWaldow, Ulrich" userId="c64b3fe1-2fbf-4408-adc4-30add62e991f" providerId="ADAL" clId="{7565AB0A-5E6A-4A6E-A466-98EA7772229E}" dt="2024-09-05T13:53:33.616" v="37"/>
+          <ac:spMkLst>
+            <pc:docMk/>
+            <pc:sldMk cId="1636317749" sldId="262"/>
+            <ac:spMk id="22" creationId="{048F7D3C-2A73-0CA3-FEE0-0E951B9AA65A}"/>
+          </ac:spMkLst>
+        </pc:spChg>
+        <pc:spChg chg="mod">
+          <ac:chgData name="vonWaldow, Ulrich" userId="c64b3fe1-2fbf-4408-adc4-30add62e991f" providerId="ADAL" clId="{7565AB0A-5E6A-4A6E-A466-98EA7772229E}" dt="2024-09-05T13:51:23.693" v="29"/>
+          <ac:spMkLst>
+            <pc:docMk/>
+            <pc:sldMk cId="1636317749" sldId="262"/>
+            <ac:spMk id="24" creationId="{5F27A636-BB37-E559-5CCA-6E21CDD4F35B}"/>
+          </ac:spMkLst>
+        </pc:spChg>
+        <pc:spChg chg="mod">
+          <ac:chgData name="vonWaldow, Ulrich" userId="c64b3fe1-2fbf-4408-adc4-30add62e991f" providerId="ADAL" clId="{7565AB0A-5E6A-4A6E-A466-98EA7772229E}" dt="2024-09-05T13:51:41.074" v="32"/>
+          <ac:spMkLst>
+            <pc:docMk/>
+            <pc:sldMk cId="1636317749" sldId="262"/>
+            <ac:spMk id="28" creationId="{02884E67-468E-0855-DF3C-A8D0E2177449}"/>
+          </ac:spMkLst>
+        </pc:spChg>
+      </pc:sldChg>
       <pc:sldMasterChg chg="modSldLayout">
         <pc:chgData name="vonWaldow, Ulrich" userId="c64b3fe1-2fbf-4408-adc4-30add62e991f" providerId="ADAL" clId="{7565AB0A-5E6A-4A6E-A466-98EA7772229E}" dt="2024-08-26T10:58:04.057" v="17" actId="20577"/>
         <pc:sldMasterMkLst>
@@ -788,7 +843,7 @@
           <a:p>
             <a:fld id="{8CADF67D-6B33-4511-8215-1BAA75E9A259}" type="datetimeFigureOut">
               <a:rPr lang="de-DE" smtClean="0"/>
-              <a:t>26.08.2024</a:t>
+              <a:t>05.09.2024</a:t>
             </a:fld>
             <a:endParaRPr lang="de-DE"/>
           </a:p>
@@ -965,7 +1020,7 @@
           <a:p>
             <a:fld id="{29BB4B0D-3BE5-4B36-92D1-1D1058870271}" type="datetimeFigureOut">
               <a:rPr lang="de-DE" smtClean="0"/>
-              <a:t>26.08.2024</a:t>
+              <a:t>05.09.2024</a:t>
             </a:fld>
             <a:endParaRPr lang="de-DE"/>
           </a:p>
@@ -4603,10 +4658,9 @@
           <a:lstStyle/>
           <a:p>
             <a:r>
-              <a:rPr lang="en-US" dirty="0" err="1"/>
-              <a:t>Lösungskonzept</a:t>
+              <a:rPr lang="en-US" dirty="0"/>
+              <a:t>Solution concept</a:t>
             </a:r>
-            <a:endParaRPr lang="en-US" dirty="0"/>
           </a:p>
         </p:txBody>
       </p:sp>
@@ -4637,10 +4691,9 @@
           <a:lstStyle/>
           <a:p>
             <a:r>
-              <a:rPr lang="en-US" dirty="0" err="1"/>
-              <a:t>Ausgangssituation</a:t>
+              <a:rPr lang="en-US" dirty="0"/>
+              <a:t>Initial situation</a:t>
             </a:r>
-            <a:endParaRPr lang="en-US" dirty="0"/>
           </a:p>
         </p:txBody>
       </p:sp>
@@ -4738,7 +4791,7 @@
           <a:p>
             <a:r>
               <a:rPr lang="en-US" dirty="0"/>
-              <a:t>Branche</a:t>
+              <a:t>'Industry</a:t>
             </a:r>
           </a:p>
         </p:txBody>
@@ -4770,10 +4823,9 @@
           <a:lstStyle/>
           <a:p>
             <a:r>
-              <a:rPr lang="en-US" dirty="0" err="1"/>
-              <a:t>Unternehmen</a:t>
+              <a:rPr lang="en-US" dirty="0"/>
+              <a:t>'Company</a:t>
             </a:r>
-            <a:endParaRPr lang="en-US" dirty="0"/>
           </a:p>
         </p:txBody>
       </p:sp>
@@ -6067,6 +6119,48 @@
 </file>
 
 <file path=customXml/item1.xml><?xml version="1.0" encoding="utf-8"?>
+<p:properties xmlns:p="http://schemas.microsoft.com/office/2006/metadata/properties" xmlns:xsi="http://www.w3.org/2001/XMLSchema-instance" xmlns:pc="http://schemas.microsoft.com/office/infopath/2007/PartnerControls">
+  <documentManagement>
+    <SharedWithUsers xmlns="3fb8dc1b-9d59-4105-bc07-f1f968f5154f">
+      <UserInfo>
+        <DisplayName>Budelmann, Enno</DisplayName>
+        <AccountId>12</AccountId>
+        <AccountType/>
+      </UserInfo>
+      <UserInfo>
+        <DisplayName>SharingLinks.3068ac1d-a568-467f-a8c0-63ecd7162cbd.OrganizationEdit.ce5b78f9-ebba-4333-b65e-3f12b5be2b22</DisplayName>
+        <AccountId>40</AccountId>
+        <AccountType/>
+      </UserInfo>
+      <UserInfo>
+        <DisplayName>Junker, Sebastian</DisplayName>
+        <AccountId>15</AccountId>
+        <AccountType/>
+      </UserInfo>
+      <UserInfo>
+        <DisplayName>Bunk, Justus</DisplayName>
+        <AccountId>201</AccountId>
+        <AccountType/>
+      </UserInfo>
+    </SharedWithUsers>
+    <lcf76f155ced4ddcb4097134ff3c332f xmlns="5b6c06b5-1db8-4c81-aedd-b1bde2b8bfd2">
+      <Terms xmlns="http://schemas.microsoft.com/office/infopath/2007/PartnerControls"/>
+    </lcf76f155ced4ddcb4097134ff3c332f>
+    <TaxCatchAll xmlns="3fb8dc1b-9d59-4105-bc07-f1f968f5154f" xsi:nil="true"/>
+  </documentManagement>
+</p:properties>
+</file>
+
+<file path=customXml/item2.xml><?xml version="1.0" encoding="utf-8"?>
+<?mso-contentType ?>
+<FormTemplates xmlns="http://schemas.microsoft.com/sharepoint/v3/contenttype/forms">
+  <Display>DocumentLibraryForm</Display>
+  <Edit>DocumentLibraryForm</Edit>
+  <New>DocumentLibraryForm</New>
+</FormTemplates>
+</file>
+
+<file path=customXml/item3.xml><?xml version="1.0" encoding="utf-8"?>
 <ct:contentTypeSchema xmlns:ct="http://schemas.microsoft.com/office/2006/metadata/contentType" xmlns:ma="http://schemas.microsoft.com/office/2006/metadata/properties/metaAttributes" ct:_="" ma:_="" ma:contentTypeName="Dokument" ma:contentTypeID="0x0101004FA53E48D41D05439A7FB623C7478AFF" ma:contentTypeVersion="18" ma:contentTypeDescription="Ein neues Dokument erstellen." ma:contentTypeScope="" ma:versionID="495b3b6b5079efe696b8d9f588648941">
   <xsd:schema xmlns:xsd="http://www.w3.org/2001/XMLSchema" xmlns:xs="http://www.w3.org/2001/XMLSchema" xmlns:p="http://schemas.microsoft.com/office/2006/metadata/properties" xmlns:ns2="5b6c06b5-1db8-4c81-aedd-b1bde2b8bfd2" xmlns:ns3="3fb8dc1b-9d59-4105-bc07-f1f968f5154f" targetNamespace="http://schemas.microsoft.com/office/2006/metadata/properties" ma:root="true" ma:fieldsID="2182acfa1422538829d9682ba2cc316e" ns2:_="" ns3:_="">
     <xsd:import namespace="5b6c06b5-1db8-4c81-aedd-b1bde2b8bfd2"/>
@@ -6321,49 +6415,32 @@
 </ct:contentTypeSchema>
 </file>
 
-<file path=customXml/item2.xml><?xml version="1.0" encoding="utf-8"?>
-<?mso-contentType ?>
-<FormTemplates xmlns="http://schemas.microsoft.com/sharepoint/v3/contenttype/forms">
-  <Display>DocumentLibraryForm</Display>
-  <Edit>DocumentLibraryForm</Edit>
-  <New>DocumentLibraryForm</New>
-</FormTemplates>
+<file path=customXml/itemProps1.xml><?xml version="1.0" encoding="utf-8"?>
+<ds:datastoreItem xmlns:ds="http://schemas.openxmlformats.org/officeDocument/2006/customXml" ds:itemID="{3834EEC2-295B-443A-8029-DF87F749AE1B}">
+  <ds:schemaRefs>
+    <ds:schemaRef ds:uri="3fb8dc1b-9d59-4105-bc07-f1f968f5154f"/>
+    <ds:schemaRef ds:uri="5b6c06b5-1db8-4c81-aedd-b1bde2b8bfd2"/>
+    <ds:schemaRef ds:uri="http://purl.org/dc/dcmitype/"/>
+    <ds:schemaRef ds:uri="http://purl.org/dc/elements/1.1/"/>
+    <ds:schemaRef ds:uri="http://purl.org/dc/terms/"/>
+    <ds:schemaRef ds:uri="http://schemas.microsoft.com/office/2006/documentManagement/types"/>
+    <ds:schemaRef ds:uri="http://schemas.microsoft.com/office/2006/metadata/properties"/>
+    <ds:schemaRef ds:uri="http://schemas.microsoft.com/office/infopath/2007/PartnerControls"/>
+    <ds:schemaRef ds:uri="http://schemas.openxmlformats.org/package/2006/metadata/core-properties"/>
+    <ds:schemaRef ds:uri="http://www.w3.org/XML/1998/namespace"/>
+  </ds:schemaRefs>
+</ds:datastoreItem>
 </file>
 
-<file path=customXml/item3.xml><?xml version="1.0" encoding="utf-8"?>
-<p:properties xmlns:p="http://schemas.microsoft.com/office/2006/metadata/properties" xmlns:xsi="http://www.w3.org/2001/XMLSchema-instance" xmlns:pc="http://schemas.microsoft.com/office/infopath/2007/PartnerControls">
-  <documentManagement>
-    <SharedWithUsers xmlns="3fb8dc1b-9d59-4105-bc07-f1f968f5154f">
-      <UserInfo>
-        <DisplayName>Budelmann, Enno</DisplayName>
-        <AccountId>12</AccountId>
-        <AccountType/>
-      </UserInfo>
-      <UserInfo>
-        <DisplayName>SharingLinks.3068ac1d-a568-467f-a8c0-63ecd7162cbd.OrganizationEdit.ce5b78f9-ebba-4333-b65e-3f12b5be2b22</DisplayName>
-        <AccountId>40</AccountId>
-        <AccountType/>
-      </UserInfo>
-      <UserInfo>
-        <DisplayName>Junker, Sebastian</DisplayName>
-        <AccountId>15</AccountId>
-        <AccountType/>
-      </UserInfo>
-      <UserInfo>
-        <DisplayName>Bunk, Justus</DisplayName>
-        <AccountId>201</AccountId>
-        <AccountType/>
-      </UserInfo>
-    </SharedWithUsers>
-    <lcf76f155ced4ddcb4097134ff3c332f xmlns="5b6c06b5-1db8-4c81-aedd-b1bde2b8bfd2">
-      <Terms xmlns="http://schemas.microsoft.com/office/infopath/2007/PartnerControls"/>
-    </lcf76f155ced4ddcb4097134ff3c332f>
-    <TaxCatchAll xmlns="3fb8dc1b-9d59-4105-bc07-f1f968f5154f" xsi:nil="true"/>
-  </documentManagement>
-</p:properties>
+<file path=customXml/itemProps2.xml><?xml version="1.0" encoding="utf-8"?>
+<ds:datastoreItem xmlns:ds="http://schemas.openxmlformats.org/officeDocument/2006/customXml" ds:itemID="{A76FA841-F04D-4D27-A487-F98BD028EA91}">
+  <ds:schemaRefs>
+    <ds:schemaRef ds:uri="http://schemas.microsoft.com/sharepoint/v3/contenttype/forms"/>
+  </ds:schemaRefs>
+</ds:datastoreItem>
 </file>
 
-<file path=customXml/itemProps1.xml><?xml version="1.0" encoding="utf-8"?>
+<file path=customXml/itemProps3.xml><?xml version="1.0" encoding="utf-8"?>
 <ds:datastoreItem xmlns:ds="http://schemas.openxmlformats.org/officeDocument/2006/customXml" ds:itemID="{E8709FC7-DADA-4BD7-AD71-1B217709B124}">
   <ds:schemaRefs>
     <ds:schemaRef ds:uri="http://schemas.microsoft.com/office/2006/metadata/contentType"/>
@@ -6380,29 +6457,4 @@
     <ds:schemaRef ds:uri="http://schemas.microsoft.com/internal/obd"/>
   </ds:schemaRefs>
 </ds:datastoreItem>
-</file>
-
-<file path=customXml/itemProps2.xml><?xml version="1.0" encoding="utf-8"?>
-<ds:datastoreItem xmlns:ds="http://schemas.openxmlformats.org/officeDocument/2006/customXml" ds:itemID="{A76FA841-F04D-4D27-A487-F98BD028EA91}">
-  <ds:schemaRefs>
-    <ds:schemaRef ds:uri="http://schemas.microsoft.com/sharepoint/v3/contenttype/forms"/>
-  </ds:schemaRefs>
-</ds:datastoreItem>
-</file>
-
-<file path=customXml/itemProps3.xml><?xml version="1.0" encoding="utf-8"?>
-<ds:datastoreItem xmlns:ds="http://schemas.openxmlformats.org/officeDocument/2006/customXml" ds:itemID="{3834EEC2-295B-443A-8029-DF87F749AE1B}">
-  <ds:schemaRefs>
-    <ds:schemaRef ds:uri="3fb8dc1b-9d59-4105-bc07-f1f968f5154f"/>
-    <ds:schemaRef ds:uri="5b6c06b5-1db8-4c81-aedd-b1bde2b8bfd2"/>
-    <ds:schemaRef ds:uri="http://purl.org/dc/dcmitype/"/>
-    <ds:schemaRef ds:uri="http://purl.org/dc/elements/1.1/"/>
-    <ds:schemaRef ds:uri="http://purl.org/dc/terms/"/>
-    <ds:schemaRef ds:uri="http://schemas.microsoft.com/office/2006/documentManagement/types"/>
-    <ds:schemaRef ds:uri="http://schemas.microsoft.com/office/2006/metadata/properties"/>
-    <ds:schemaRef ds:uri="http://schemas.microsoft.com/office/infopath/2007/PartnerControls"/>
-    <ds:schemaRef ds:uri="http://schemas.openxmlformats.org/package/2006/metadata/core-properties"/>
-    <ds:schemaRef ds:uri="http://www.w3.org/XML/1998/namespace"/>
-  </ds:schemaRefs>
-</ds:datastoreItem>
 </file>
--- a/case_study_template_1_16_9_de.pptx
+++ b/case_study_template_1_16_9_de.pptx
@@ -651,12 +651,12 @@
   <pc:docChgLst>
     <pc:chgData name="vonWaldow, Ulrich" userId="c64b3fe1-2fbf-4408-adc4-30add62e991f" providerId="ADAL" clId="{7565AB0A-5E6A-4A6E-A466-98EA7772229E}"/>
     <pc:docChg chg="undo redo custSel modSld modMainMaster">
-      <pc:chgData name="vonWaldow, Ulrich" userId="c64b3fe1-2fbf-4408-adc4-30add62e991f" providerId="ADAL" clId="{7565AB0A-5E6A-4A6E-A466-98EA7772229E}" dt="2024-09-05T13:53:44.371" v="38" actId="478"/>
+      <pc:chgData name="vonWaldow, Ulrich" userId="c64b3fe1-2fbf-4408-adc4-30add62e991f" providerId="ADAL" clId="{7565AB0A-5E6A-4A6E-A466-98EA7772229E}" dt="2024-09-05T13:56:31.577" v="39" actId="6549"/>
       <pc:docMkLst>
         <pc:docMk/>
       </pc:docMkLst>
       <pc:sldChg chg="addSp delSp modSp mod">
-        <pc:chgData name="vonWaldow, Ulrich" userId="c64b3fe1-2fbf-4408-adc4-30add62e991f" providerId="ADAL" clId="{7565AB0A-5E6A-4A6E-A466-98EA7772229E}" dt="2024-09-05T13:53:44.371" v="38" actId="478"/>
+        <pc:chgData name="vonWaldow, Ulrich" userId="c64b3fe1-2fbf-4408-adc4-30add62e991f" providerId="ADAL" clId="{7565AB0A-5E6A-4A6E-A466-98EA7772229E}" dt="2024-09-05T13:56:31.577" v="39" actId="6549"/>
         <pc:sldMkLst>
           <pc:docMk/>
           <pc:sldMk cId="1636317749" sldId="262"/>
@@ -694,7 +694,7 @@
           </ac:spMkLst>
         </pc:spChg>
         <pc:spChg chg="mod">
-          <ac:chgData name="vonWaldow, Ulrich" userId="c64b3fe1-2fbf-4408-adc4-30add62e991f" providerId="ADAL" clId="{7565AB0A-5E6A-4A6E-A466-98EA7772229E}" dt="2024-09-05T13:51:41.074" v="32"/>
+          <ac:chgData name="vonWaldow, Ulrich" userId="c64b3fe1-2fbf-4408-adc4-30add62e991f" providerId="ADAL" clId="{7565AB0A-5E6A-4A6E-A466-98EA7772229E}" dt="2024-09-05T13:56:31.577" v="39" actId="6549"/>
           <ac:spMkLst>
             <pc:docMk/>
             <pc:sldMk cId="1636317749" sldId="262"/>
@@ -4791,7 +4791,7 @@
           <a:p>
             <a:r>
               <a:rPr lang="en-US" dirty="0"/>
-              <a:t>'Industry</a:t>
+              <a:t>Industry</a:t>
             </a:r>
           </a:p>
         </p:txBody>
@@ -6119,48 +6119,6 @@
 </file>
 
 <file path=customXml/item1.xml><?xml version="1.0" encoding="utf-8"?>
-<p:properties xmlns:p="http://schemas.microsoft.com/office/2006/metadata/properties" xmlns:xsi="http://www.w3.org/2001/XMLSchema-instance" xmlns:pc="http://schemas.microsoft.com/office/infopath/2007/PartnerControls">
-  <documentManagement>
-    <SharedWithUsers xmlns="3fb8dc1b-9d59-4105-bc07-f1f968f5154f">
-      <UserInfo>
-        <DisplayName>Budelmann, Enno</DisplayName>
-        <AccountId>12</AccountId>
-        <AccountType/>
-      </UserInfo>
-      <UserInfo>
-        <DisplayName>SharingLinks.3068ac1d-a568-467f-a8c0-63ecd7162cbd.OrganizationEdit.ce5b78f9-ebba-4333-b65e-3f12b5be2b22</DisplayName>
-        <AccountId>40</AccountId>
-        <AccountType/>
-      </UserInfo>
-      <UserInfo>
-        <DisplayName>Junker, Sebastian</DisplayName>
-        <AccountId>15</AccountId>
-        <AccountType/>
-      </UserInfo>
-      <UserInfo>
-        <DisplayName>Bunk, Justus</DisplayName>
-        <AccountId>201</AccountId>
-        <AccountType/>
-      </UserInfo>
-    </SharedWithUsers>
-    <lcf76f155ced4ddcb4097134ff3c332f xmlns="5b6c06b5-1db8-4c81-aedd-b1bde2b8bfd2">
-      <Terms xmlns="http://schemas.microsoft.com/office/infopath/2007/PartnerControls"/>
-    </lcf76f155ced4ddcb4097134ff3c332f>
-    <TaxCatchAll xmlns="3fb8dc1b-9d59-4105-bc07-f1f968f5154f" xsi:nil="true"/>
-  </documentManagement>
-</p:properties>
-</file>
-
-<file path=customXml/item2.xml><?xml version="1.0" encoding="utf-8"?>
-<?mso-contentType ?>
-<FormTemplates xmlns="http://schemas.microsoft.com/sharepoint/v3/contenttype/forms">
-  <Display>DocumentLibraryForm</Display>
-  <Edit>DocumentLibraryForm</Edit>
-  <New>DocumentLibraryForm</New>
-</FormTemplates>
-</file>
-
-<file path=customXml/item3.xml><?xml version="1.0" encoding="utf-8"?>
 <ct:contentTypeSchema xmlns:ct="http://schemas.microsoft.com/office/2006/metadata/contentType" xmlns:ma="http://schemas.microsoft.com/office/2006/metadata/properties/metaAttributes" ct:_="" ma:_="" ma:contentTypeName="Dokument" ma:contentTypeID="0x0101004FA53E48D41D05439A7FB623C7478AFF" ma:contentTypeVersion="18" ma:contentTypeDescription="Ein neues Dokument erstellen." ma:contentTypeScope="" ma:versionID="495b3b6b5079efe696b8d9f588648941">
   <xsd:schema xmlns:xsd="http://www.w3.org/2001/XMLSchema" xmlns:xs="http://www.w3.org/2001/XMLSchema" xmlns:p="http://schemas.microsoft.com/office/2006/metadata/properties" xmlns:ns2="5b6c06b5-1db8-4c81-aedd-b1bde2b8bfd2" xmlns:ns3="3fb8dc1b-9d59-4105-bc07-f1f968f5154f" targetNamespace="http://schemas.microsoft.com/office/2006/metadata/properties" ma:root="true" ma:fieldsID="2182acfa1422538829d9682ba2cc316e" ns2:_="" ns3:_="">
     <xsd:import namespace="5b6c06b5-1db8-4c81-aedd-b1bde2b8bfd2"/>
@@ -6415,32 +6373,49 @@
 </ct:contentTypeSchema>
 </file>
 
-<file path=customXml/itemProps1.xml><?xml version="1.0" encoding="utf-8"?>
-<ds:datastoreItem xmlns:ds="http://schemas.openxmlformats.org/officeDocument/2006/customXml" ds:itemID="{3834EEC2-295B-443A-8029-DF87F749AE1B}">
-  <ds:schemaRefs>
-    <ds:schemaRef ds:uri="3fb8dc1b-9d59-4105-bc07-f1f968f5154f"/>
-    <ds:schemaRef ds:uri="5b6c06b5-1db8-4c81-aedd-b1bde2b8bfd2"/>
-    <ds:schemaRef ds:uri="http://purl.org/dc/dcmitype/"/>
-    <ds:schemaRef ds:uri="http://purl.org/dc/elements/1.1/"/>
-    <ds:schemaRef ds:uri="http://purl.org/dc/terms/"/>
-    <ds:schemaRef ds:uri="http://schemas.microsoft.com/office/2006/documentManagement/types"/>
-    <ds:schemaRef ds:uri="http://schemas.microsoft.com/office/2006/metadata/properties"/>
-    <ds:schemaRef ds:uri="http://schemas.microsoft.com/office/infopath/2007/PartnerControls"/>
-    <ds:schemaRef ds:uri="http://schemas.openxmlformats.org/package/2006/metadata/core-properties"/>
-    <ds:schemaRef ds:uri="http://www.w3.org/XML/1998/namespace"/>
-  </ds:schemaRefs>
-</ds:datastoreItem>
+<file path=customXml/item2.xml><?xml version="1.0" encoding="utf-8"?>
+<?mso-contentType ?>
+<FormTemplates xmlns="http://schemas.microsoft.com/sharepoint/v3/contenttype/forms">
+  <Display>DocumentLibraryForm</Display>
+  <Edit>DocumentLibraryForm</Edit>
+  <New>DocumentLibraryForm</New>
+</FormTemplates>
 </file>
 
-<file path=customXml/itemProps2.xml><?xml version="1.0" encoding="utf-8"?>
-<ds:datastoreItem xmlns:ds="http://schemas.openxmlformats.org/officeDocument/2006/customXml" ds:itemID="{A76FA841-F04D-4D27-A487-F98BD028EA91}">
-  <ds:schemaRefs>
-    <ds:schemaRef ds:uri="http://schemas.microsoft.com/sharepoint/v3/contenttype/forms"/>
-  </ds:schemaRefs>
-</ds:datastoreItem>
+<file path=customXml/item3.xml><?xml version="1.0" encoding="utf-8"?>
+<p:properties xmlns:p="http://schemas.microsoft.com/office/2006/metadata/properties" xmlns:xsi="http://www.w3.org/2001/XMLSchema-instance" xmlns:pc="http://schemas.microsoft.com/office/infopath/2007/PartnerControls">
+  <documentManagement>
+    <SharedWithUsers xmlns="3fb8dc1b-9d59-4105-bc07-f1f968f5154f">
+      <UserInfo>
+        <DisplayName>Budelmann, Enno</DisplayName>
+        <AccountId>12</AccountId>
+        <AccountType/>
+      </UserInfo>
+      <UserInfo>
+        <DisplayName>SharingLinks.3068ac1d-a568-467f-a8c0-63ecd7162cbd.OrganizationEdit.ce5b78f9-ebba-4333-b65e-3f12b5be2b22</DisplayName>
+        <AccountId>40</AccountId>
+        <AccountType/>
+      </UserInfo>
+      <UserInfo>
+        <DisplayName>Junker, Sebastian</DisplayName>
+        <AccountId>15</AccountId>
+        <AccountType/>
+      </UserInfo>
+      <UserInfo>
+        <DisplayName>Bunk, Justus</DisplayName>
+        <AccountId>201</AccountId>
+        <AccountType/>
+      </UserInfo>
+    </SharedWithUsers>
+    <lcf76f155ced4ddcb4097134ff3c332f xmlns="5b6c06b5-1db8-4c81-aedd-b1bde2b8bfd2">
+      <Terms xmlns="http://schemas.microsoft.com/office/infopath/2007/PartnerControls"/>
+    </lcf76f155ced4ddcb4097134ff3c332f>
+    <TaxCatchAll xmlns="3fb8dc1b-9d59-4105-bc07-f1f968f5154f" xsi:nil="true"/>
+  </documentManagement>
+</p:properties>
 </file>
 
-<file path=customXml/itemProps3.xml><?xml version="1.0" encoding="utf-8"?>
+<file path=customXml/itemProps1.xml><?xml version="1.0" encoding="utf-8"?>
 <ds:datastoreItem xmlns:ds="http://schemas.openxmlformats.org/officeDocument/2006/customXml" ds:itemID="{E8709FC7-DADA-4BD7-AD71-1B217709B124}">
   <ds:schemaRefs>
     <ds:schemaRef ds:uri="http://schemas.microsoft.com/office/2006/metadata/contentType"/>
@@ -6457,4 +6432,29 @@
     <ds:schemaRef ds:uri="http://schemas.microsoft.com/internal/obd"/>
   </ds:schemaRefs>
 </ds:datastoreItem>
+</file>
+
+<file path=customXml/itemProps2.xml><?xml version="1.0" encoding="utf-8"?>
+<ds:datastoreItem xmlns:ds="http://schemas.openxmlformats.org/officeDocument/2006/customXml" ds:itemID="{A76FA841-F04D-4D27-A487-F98BD028EA91}">
+  <ds:schemaRefs>
+    <ds:schemaRef ds:uri="http://schemas.microsoft.com/sharepoint/v3/contenttype/forms"/>
+  </ds:schemaRefs>
+</ds:datastoreItem>
+</file>
+
+<file path=customXml/itemProps3.xml><?xml version="1.0" encoding="utf-8"?>
+<ds:datastoreItem xmlns:ds="http://schemas.openxmlformats.org/officeDocument/2006/customXml" ds:itemID="{3834EEC2-295B-443A-8029-DF87F749AE1B}">
+  <ds:schemaRefs>
+    <ds:schemaRef ds:uri="3fb8dc1b-9d59-4105-bc07-f1f968f5154f"/>
+    <ds:schemaRef ds:uri="5b6c06b5-1db8-4c81-aedd-b1bde2b8bfd2"/>
+    <ds:schemaRef ds:uri="http://purl.org/dc/dcmitype/"/>
+    <ds:schemaRef ds:uri="http://purl.org/dc/elements/1.1/"/>
+    <ds:schemaRef ds:uri="http://purl.org/dc/terms/"/>
+    <ds:schemaRef ds:uri="http://schemas.microsoft.com/office/2006/documentManagement/types"/>
+    <ds:schemaRef ds:uri="http://schemas.microsoft.com/office/2006/metadata/properties"/>
+    <ds:schemaRef ds:uri="http://schemas.microsoft.com/office/infopath/2007/PartnerControls"/>
+    <ds:schemaRef ds:uri="http://schemas.openxmlformats.org/package/2006/metadata/core-properties"/>
+    <ds:schemaRef ds:uri="http://www.w3.org/XML/1998/namespace"/>
+  </ds:schemaRefs>
+</ds:datastoreItem>
 </file>
--- a/case_study_template_1_16_9_de.pptx
+++ b/case_study_template_1_16_9_de.pptx
@@ -11,7 +11,7 @@
     <p:handoutMasterId r:id="rId7"/>
   </p:handoutMasterIdLst>
   <p:sldIdLst>
-    <p:sldId id="262" r:id="rId5"/>
+    <p:sldId id="263" r:id="rId5"/>
   </p:sldIdLst>
   <p:sldSz cx="12192000" cy="6858000"/>
   <p:notesSz cx="6797675" cy="9926638"/>
@@ -127,7 +127,7 @@
 <file path=ppt/revisionInfo.xml><?xml version="1.0" encoding="utf-8"?>
 <p1510:revInfo xmlns:a="http://schemas.openxmlformats.org/drawingml/2006/main" xmlns:r="http://schemas.openxmlformats.org/officeDocument/2006/relationships" xmlns:p1510="http://schemas.microsoft.com/office/powerpoint/2015/10/main">
   <p1510:revLst>
-    <p1510:client id="{7565AB0A-5E6A-4A6E-A466-98EA7772229E}" v="1" dt="2024-09-05T13:50:48.549"/>
+    <p1510:client id="{7565AB0A-5E6A-4A6E-A466-98EA7772229E}" v="13" dt="2024-09-05T14:58:42.291"/>
   </p1510:revLst>
 </p1510:revInfo>
 </file>
@@ -650,18 +650,26 @@
   </pc:docChgLst>
   <pc:docChgLst>
     <pc:chgData name="vonWaldow, Ulrich" userId="c64b3fe1-2fbf-4408-adc4-30add62e991f" providerId="ADAL" clId="{7565AB0A-5E6A-4A6E-A466-98EA7772229E}"/>
-    <pc:docChg chg="undo redo custSel modSld modMainMaster">
-      <pc:chgData name="vonWaldow, Ulrich" userId="c64b3fe1-2fbf-4408-adc4-30add62e991f" providerId="ADAL" clId="{7565AB0A-5E6A-4A6E-A466-98EA7772229E}" dt="2024-09-05T13:56:31.577" v="39" actId="6549"/>
+    <pc:docChg chg="undo redo custSel addSld delSld modSld modMainMaster replTag">
+      <pc:chgData name="vonWaldow, Ulrich" userId="c64b3fe1-2fbf-4408-adc4-30add62e991f" providerId="ADAL" clId="{7565AB0A-5E6A-4A6E-A466-98EA7772229E}" dt="2024-09-05T14:59:29.602" v="165" actId="47"/>
       <pc:docMkLst>
         <pc:docMk/>
       </pc:docMkLst>
-      <pc:sldChg chg="addSp delSp modSp mod">
-        <pc:chgData name="vonWaldow, Ulrich" userId="c64b3fe1-2fbf-4408-adc4-30add62e991f" providerId="ADAL" clId="{7565AB0A-5E6A-4A6E-A466-98EA7772229E}" dt="2024-09-05T13:56:31.577" v="39" actId="6549"/>
+      <pc:sldChg chg="addSp delSp modSp del mod chgLayout">
+        <pc:chgData name="vonWaldow, Ulrich" userId="c64b3fe1-2fbf-4408-adc4-30add62e991f" providerId="ADAL" clId="{7565AB0A-5E6A-4A6E-A466-98EA7772229E}" dt="2024-09-05T14:59:29.602" v="165" actId="47"/>
         <pc:sldMkLst>
           <pc:docMk/>
           <pc:sldMk cId="1636317749" sldId="262"/>
         </pc:sldMkLst>
         <pc:spChg chg="add del mod">
+          <ac:chgData name="vonWaldow, Ulrich" userId="c64b3fe1-2fbf-4408-adc4-30add62e991f" providerId="ADAL" clId="{7565AB0A-5E6A-4A6E-A466-98EA7772229E}" dt="2024-09-05T14:58:32.951" v="133" actId="6264"/>
+          <ac:spMkLst>
+            <pc:docMk/>
+            <pc:sldMk cId="1636317749" sldId="262"/>
+            <ac:spMk id="2" creationId="{D73F825C-727C-2881-28CD-9D23E193C829}"/>
+          </ac:spMkLst>
+        </pc:spChg>
+        <pc:spChg chg="add del mod">
           <ac:chgData name="vonWaldow, Ulrich" userId="c64b3fe1-2fbf-4408-adc4-30add62e991f" providerId="ADAL" clId="{7565AB0A-5E6A-4A6E-A466-98EA7772229E}" dt="2024-09-05T13:53:44.371" v="38" actId="478"/>
           <ac:spMkLst>
             <pc:docMk/>
@@ -669,52 +677,446 @@
             <ac:spMk id="2" creationId="{DD6C6BF0-988A-A0EA-B1DA-C8D082C8539C}"/>
           </ac:spMkLst>
         </pc:spChg>
+        <pc:spChg chg="add del mod">
+          <ac:chgData name="vonWaldow, Ulrich" userId="c64b3fe1-2fbf-4408-adc4-30add62e991f" providerId="ADAL" clId="{7565AB0A-5E6A-4A6E-A466-98EA7772229E}" dt="2024-09-05T14:58:32.951" v="133" actId="6264"/>
+          <ac:spMkLst>
+            <pc:docMk/>
+            <pc:sldMk cId="1636317749" sldId="262"/>
+            <ac:spMk id="3" creationId="{DAEE5483-2DCE-F2BF-97DF-C76EA5740181}"/>
+          </ac:spMkLst>
+        </pc:spChg>
+        <pc:spChg chg="add del mod">
+          <ac:chgData name="vonWaldow, Ulrich" userId="c64b3fe1-2fbf-4408-adc4-30add62e991f" providerId="ADAL" clId="{7565AB0A-5E6A-4A6E-A466-98EA7772229E}" dt="2024-09-05T14:58:32.951" v="133" actId="6264"/>
+          <ac:spMkLst>
+            <pc:docMk/>
+            <pc:sldMk cId="1636317749" sldId="262"/>
+            <ac:spMk id="4" creationId="{2F1F0104-0A68-25C5-83D1-B91506A8B76D}"/>
+          </ac:spMkLst>
+        </pc:spChg>
+        <pc:spChg chg="add del mod">
+          <ac:chgData name="vonWaldow, Ulrich" userId="c64b3fe1-2fbf-4408-adc4-30add62e991f" providerId="ADAL" clId="{7565AB0A-5E6A-4A6E-A466-98EA7772229E}" dt="2024-09-05T14:58:32.951" v="133" actId="6264"/>
+          <ac:spMkLst>
+            <pc:docMk/>
+            <pc:sldMk cId="1636317749" sldId="262"/>
+            <ac:spMk id="5" creationId="{1C482F3B-4911-EC2B-7EBA-C9311322B2C1}"/>
+          </ac:spMkLst>
+        </pc:spChg>
+        <pc:spChg chg="add del mod">
+          <ac:chgData name="vonWaldow, Ulrich" userId="c64b3fe1-2fbf-4408-adc4-30add62e991f" providerId="ADAL" clId="{7565AB0A-5E6A-4A6E-A466-98EA7772229E}" dt="2024-09-05T14:58:32.951" v="133" actId="6264"/>
+          <ac:spMkLst>
+            <pc:docMk/>
+            <pc:sldMk cId="1636317749" sldId="262"/>
+            <ac:spMk id="6" creationId="{9209499D-3497-0109-4694-DFF1065850A3}"/>
+          </ac:spMkLst>
+        </pc:spChg>
+        <pc:spChg chg="add del mod">
+          <ac:chgData name="vonWaldow, Ulrich" userId="c64b3fe1-2fbf-4408-adc4-30add62e991f" providerId="ADAL" clId="{7565AB0A-5E6A-4A6E-A466-98EA7772229E}" dt="2024-09-05T14:58:32.951" v="133" actId="6264"/>
+          <ac:spMkLst>
+            <pc:docMk/>
+            <pc:sldMk cId="1636317749" sldId="262"/>
+            <ac:spMk id="7" creationId="{9C825717-0001-4C27-FA44-FE192A7E10EF}"/>
+          </ac:spMkLst>
+        </pc:spChg>
+        <pc:spChg chg="add del mod">
+          <ac:chgData name="vonWaldow, Ulrich" userId="c64b3fe1-2fbf-4408-adc4-30add62e991f" providerId="ADAL" clId="{7565AB0A-5E6A-4A6E-A466-98EA7772229E}" dt="2024-09-05T14:58:32.951" v="133" actId="6264"/>
+          <ac:spMkLst>
+            <pc:docMk/>
+            <pc:sldMk cId="1636317749" sldId="262"/>
+            <ac:spMk id="8" creationId="{7E72F29D-E7AF-919C-711D-F977C952FC24}"/>
+          </ac:spMkLst>
+        </pc:spChg>
+        <pc:spChg chg="add del mod">
+          <ac:chgData name="vonWaldow, Ulrich" userId="c64b3fe1-2fbf-4408-adc4-30add62e991f" providerId="ADAL" clId="{7565AB0A-5E6A-4A6E-A466-98EA7772229E}" dt="2024-09-05T14:58:32.951" v="133" actId="6264"/>
+          <ac:spMkLst>
+            <pc:docMk/>
+            <pc:sldMk cId="1636317749" sldId="262"/>
+            <ac:spMk id="9" creationId="{299F6727-3F23-B877-C6B9-48B767339030}"/>
+          </ac:spMkLst>
+        </pc:spChg>
+        <pc:spChg chg="add del mod">
+          <ac:chgData name="vonWaldow, Ulrich" userId="c64b3fe1-2fbf-4408-adc4-30add62e991f" providerId="ADAL" clId="{7565AB0A-5E6A-4A6E-A466-98EA7772229E}" dt="2024-09-05T14:58:32.951" v="133" actId="6264"/>
+          <ac:spMkLst>
+            <pc:docMk/>
+            <pc:sldMk cId="1636317749" sldId="262"/>
+            <ac:spMk id="10" creationId="{F5A25F6C-5E5B-28D8-CEB0-CE9B6C4E8D8B}"/>
+          </ac:spMkLst>
+        </pc:spChg>
+        <pc:spChg chg="add del mod">
+          <ac:chgData name="vonWaldow, Ulrich" userId="c64b3fe1-2fbf-4408-adc4-30add62e991f" providerId="ADAL" clId="{7565AB0A-5E6A-4A6E-A466-98EA7772229E}" dt="2024-09-05T14:58:32.951" v="133" actId="6264"/>
+          <ac:spMkLst>
+            <pc:docMk/>
+            <pc:sldMk cId="1636317749" sldId="262"/>
+            <ac:spMk id="11" creationId="{2D9399BB-83C5-09F3-F3C5-FBCEE4E20CF0}"/>
+          </ac:spMkLst>
+        </pc:spChg>
+        <pc:spChg chg="add del mod">
+          <ac:chgData name="vonWaldow, Ulrich" userId="c64b3fe1-2fbf-4408-adc4-30add62e991f" providerId="ADAL" clId="{7565AB0A-5E6A-4A6E-A466-98EA7772229E}" dt="2024-09-05T14:58:32.951" v="133" actId="6264"/>
+          <ac:spMkLst>
+            <pc:docMk/>
+            <pc:sldMk cId="1636317749" sldId="262"/>
+            <ac:spMk id="12" creationId="{2748033D-040C-4580-0AF5-1881C79C2992}"/>
+          </ac:spMkLst>
+        </pc:spChg>
+        <pc:spChg chg="add del mod">
+          <ac:chgData name="vonWaldow, Ulrich" userId="c64b3fe1-2fbf-4408-adc4-30add62e991f" providerId="ADAL" clId="{7565AB0A-5E6A-4A6E-A466-98EA7772229E}" dt="2024-09-05T14:58:32.951" v="133" actId="6264"/>
+          <ac:spMkLst>
+            <pc:docMk/>
+            <pc:sldMk cId="1636317749" sldId="262"/>
+            <ac:spMk id="13" creationId="{A9D8FFC0-C993-48FB-F437-032339C3EE62}"/>
+          </ac:spMkLst>
+        </pc:spChg>
+        <pc:spChg chg="add del mod">
+          <ac:chgData name="vonWaldow, Ulrich" userId="c64b3fe1-2fbf-4408-adc4-30add62e991f" providerId="ADAL" clId="{7565AB0A-5E6A-4A6E-A466-98EA7772229E}" dt="2024-09-05T14:58:32.951" v="133" actId="6264"/>
+          <ac:spMkLst>
+            <pc:docMk/>
+            <pc:sldMk cId="1636317749" sldId="262"/>
+            <ac:spMk id="14" creationId="{74C9B6D3-625F-4486-9FE3-9CFEF9870A90}"/>
+          </ac:spMkLst>
+        </pc:spChg>
+        <pc:spChg chg="add del mod">
+          <ac:chgData name="vonWaldow, Ulrich" userId="c64b3fe1-2fbf-4408-adc4-30add62e991f" providerId="ADAL" clId="{7565AB0A-5E6A-4A6E-A466-98EA7772229E}" dt="2024-09-05T14:58:32.951" v="133" actId="6264"/>
+          <ac:spMkLst>
+            <pc:docMk/>
+            <pc:sldMk cId="1636317749" sldId="262"/>
+            <ac:spMk id="15" creationId="{99D91333-510A-91AD-32A0-2F814BDCC1D2}"/>
+          </ac:spMkLst>
+        </pc:spChg>
+        <pc:spChg chg="add del mod">
+          <ac:chgData name="vonWaldow, Ulrich" userId="c64b3fe1-2fbf-4408-adc4-30add62e991f" providerId="ADAL" clId="{7565AB0A-5E6A-4A6E-A466-98EA7772229E}" dt="2024-09-05T14:58:32.951" v="133" actId="6264"/>
+          <ac:spMkLst>
+            <pc:docMk/>
+            <pc:sldMk cId="1636317749" sldId="262"/>
+            <ac:spMk id="16" creationId="{A7640E92-8D55-1835-74F9-421398AD0083}"/>
+          </ac:spMkLst>
+        </pc:spChg>
+        <pc:spChg chg="add del mod">
+          <ac:chgData name="vonWaldow, Ulrich" userId="c64b3fe1-2fbf-4408-adc4-30add62e991f" providerId="ADAL" clId="{7565AB0A-5E6A-4A6E-A466-98EA7772229E}" dt="2024-09-05T14:58:32.951" v="133" actId="6264"/>
+          <ac:spMkLst>
+            <pc:docMk/>
+            <pc:sldMk cId="1636317749" sldId="262"/>
+            <ac:spMk id="17" creationId="{1BB415E7-B2CC-F79B-0A4A-3BCB284D71B9}"/>
+          </ac:spMkLst>
+        </pc:spChg>
+        <pc:spChg chg="mod ord">
+          <ac:chgData name="vonWaldow, Ulrich" userId="c64b3fe1-2fbf-4408-adc4-30add62e991f" providerId="ADAL" clId="{7565AB0A-5E6A-4A6E-A466-98EA7772229E}" dt="2024-09-05T14:58:33.450" v="134" actId="948"/>
+          <ac:spMkLst>
+            <pc:docMk/>
+            <pc:sldMk cId="1636317749" sldId="262"/>
+            <ac:spMk id="20" creationId="{726E5BEB-613B-0FB6-217C-190F6CC6E5E2}"/>
+          </ac:spMkLst>
+        </pc:spChg>
+        <pc:spChg chg="mod ord">
+          <ac:chgData name="vonWaldow, Ulrich" userId="c64b3fe1-2fbf-4408-adc4-30add62e991f" providerId="ADAL" clId="{7565AB0A-5E6A-4A6E-A466-98EA7772229E}" dt="2024-09-05T14:58:32.951" v="133" actId="6264"/>
+          <ac:spMkLst>
+            <pc:docMk/>
+            <pc:sldMk cId="1636317749" sldId="262"/>
+            <ac:spMk id="21" creationId="{43A58038-ABE8-5392-73A3-BEDB4C1F356C}"/>
+          </ac:spMkLst>
+        </pc:spChg>
+        <pc:spChg chg="mod ord">
+          <ac:chgData name="vonWaldow, Ulrich" userId="c64b3fe1-2fbf-4408-adc4-30add62e991f" providerId="ADAL" clId="{7565AB0A-5E6A-4A6E-A466-98EA7772229E}" dt="2024-09-05T14:58:32.951" v="133" actId="6264"/>
+          <ac:spMkLst>
+            <pc:docMk/>
+            <pc:sldMk cId="1636317749" sldId="262"/>
+            <ac:spMk id="22" creationId="{048F7D3C-2A73-0CA3-FEE0-0E951B9AA65A}"/>
+          </ac:spMkLst>
+        </pc:spChg>
+        <pc:spChg chg="mod ord">
+          <ac:chgData name="vonWaldow, Ulrich" userId="c64b3fe1-2fbf-4408-adc4-30add62e991f" providerId="ADAL" clId="{7565AB0A-5E6A-4A6E-A466-98EA7772229E}" dt="2024-09-05T14:58:32.951" v="133" actId="6264"/>
+          <ac:spMkLst>
+            <pc:docMk/>
+            <pc:sldMk cId="1636317749" sldId="262"/>
+            <ac:spMk id="24" creationId="{5F27A636-BB37-E559-5CCA-6E21CDD4F35B}"/>
+          </ac:spMkLst>
+        </pc:spChg>
+        <pc:spChg chg="mod ord">
+          <ac:chgData name="vonWaldow, Ulrich" userId="c64b3fe1-2fbf-4408-adc4-30add62e991f" providerId="ADAL" clId="{7565AB0A-5E6A-4A6E-A466-98EA7772229E}" dt="2024-09-05T14:58:32.951" v="133" actId="6264"/>
+          <ac:spMkLst>
+            <pc:docMk/>
+            <pc:sldMk cId="1636317749" sldId="262"/>
+            <ac:spMk id="25" creationId="{C2A01D36-154B-240E-E2C0-1B0051E95678}"/>
+          </ac:spMkLst>
+        </pc:spChg>
+        <pc:spChg chg="mod ord">
+          <ac:chgData name="vonWaldow, Ulrich" userId="c64b3fe1-2fbf-4408-adc4-30add62e991f" providerId="ADAL" clId="{7565AB0A-5E6A-4A6E-A466-98EA7772229E}" dt="2024-09-05T14:58:32.951" v="133" actId="6264"/>
+          <ac:spMkLst>
+            <pc:docMk/>
+            <pc:sldMk cId="1636317749" sldId="262"/>
+            <ac:spMk id="26" creationId="{CD383C24-CE5E-0ED2-84A6-C4E1547B2288}"/>
+          </ac:spMkLst>
+        </pc:spChg>
+        <pc:spChg chg="mod ord">
+          <ac:chgData name="vonWaldow, Ulrich" userId="c64b3fe1-2fbf-4408-adc4-30add62e991f" providerId="ADAL" clId="{7565AB0A-5E6A-4A6E-A466-98EA7772229E}" dt="2024-09-05T14:58:32.951" v="133" actId="6264"/>
+          <ac:spMkLst>
+            <pc:docMk/>
+            <pc:sldMk cId="1636317749" sldId="262"/>
+            <ac:spMk id="27" creationId="{AF6B8439-D011-1578-53EA-A11E7E2C4311}"/>
+          </ac:spMkLst>
+        </pc:spChg>
+        <pc:spChg chg="mod ord">
+          <ac:chgData name="vonWaldow, Ulrich" userId="c64b3fe1-2fbf-4408-adc4-30add62e991f" providerId="ADAL" clId="{7565AB0A-5E6A-4A6E-A466-98EA7772229E}" dt="2024-09-05T14:58:32.951" v="133" actId="6264"/>
+          <ac:spMkLst>
+            <pc:docMk/>
+            <pc:sldMk cId="1636317749" sldId="262"/>
+            <ac:spMk id="28" creationId="{02884E67-468E-0855-DF3C-A8D0E2177449}"/>
+          </ac:spMkLst>
+        </pc:spChg>
+        <pc:spChg chg="mod ord">
+          <ac:chgData name="vonWaldow, Ulrich" userId="c64b3fe1-2fbf-4408-adc4-30add62e991f" providerId="ADAL" clId="{7565AB0A-5E6A-4A6E-A466-98EA7772229E}" dt="2024-09-05T14:58:32.951" v="133" actId="6264"/>
+          <ac:spMkLst>
+            <pc:docMk/>
+            <pc:sldMk cId="1636317749" sldId="262"/>
+            <ac:spMk id="30" creationId="{7FB9CF18-A9C6-5785-50F8-0E78D149BF4E}"/>
+          </ac:spMkLst>
+        </pc:spChg>
+        <pc:spChg chg="mod ord">
+          <ac:chgData name="vonWaldow, Ulrich" userId="c64b3fe1-2fbf-4408-adc4-30add62e991f" providerId="ADAL" clId="{7565AB0A-5E6A-4A6E-A466-98EA7772229E}" dt="2024-09-05T14:58:32.951" v="133" actId="6264"/>
+          <ac:spMkLst>
+            <pc:docMk/>
+            <pc:sldMk cId="1636317749" sldId="262"/>
+            <ac:spMk id="32" creationId="{A3A628C4-84F3-50A8-C9B5-CB791DF59455}"/>
+          </ac:spMkLst>
+        </pc:spChg>
+        <pc:spChg chg="mod ord">
+          <ac:chgData name="vonWaldow, Ulrich" userId="c64b3fe1-2fbf-4408-adc4-30add62e991f" providerId="ADAL" clId="{7565AB0A-5E6A-4A6E-A466-98EA7772229E}" dt="2024-09-05T14:58:32.951" v="133" actId="6264"/>
+          <ac:spMkLst>
+            <pc:docMk/>
+            <pc:sldMk cId="1636317749" sldId="262"/>
+            <ac:spMk id="34" creationId="{AA6366A9-1954-5255-B43B-40E8C31C88F3}"/>
+          </ac:spMkLst>
+        </pc:spChg>
+        <pc:spChg chg="mod ord">
+          <ac:chgData name="vonWaldow, Ulrich" userId="c64b3fe1-2fbf-4408-adc4-30add62e991f" providerId="ADAL" clId="{7565AB0A-5E6A-4A6E-A466-98EA7772229E}" dt="2024-09-05T14:58:32.951" v="133" actId="6264"/>
+          <ac:spMkLst>
+            <pc:docMk/>
+            <pc:sldMk cId="1636317749" sldId="262"/>
+            <ac:spMk id="48" creationId="{047960EC-5F49-5061-585A-3BB44708B701}"/>
+          </ac:spMkLst>
+        </pc:spChg>
+        <pc:spChg chg="mod ord">
+          <ac:chgData name="vonWaldow, Ulrich" userId="c64b3fe1-2fbf-4408-adc4-30add62e991f" providerId="ADAL" clId="{7565AB0A-5E6A-4A6E-A466-98EA7772229E}" dt="2024-09-05T14:58:32.951" v="133" actId="6264"/>
+          <ac:spMkLst>
+            <pc:docMk/>
+            <pc:sldMk cId="1636317749" sldId="262"/>
+            <ac:spMk id="49" creationId="{5260D3B4-2FC5-3586-EC71-3C47D72FDE9C}"/>
+          </ac:spMkLst>
+        </pc:spChg>
+        <pc:spChg chg="mod ord">
+          <ac:chgData name="vonWaldow, Ulrich" userId="c64b3fe1-2fbf-4408-adc4-30add62e991f" providerId="ADAL" clId="{7565AB0A-5E6A-4A6E-A466-98EA7772229E}" dt="2024-09-05T14:58:32.951" v="133" actId="6264"/>
+          <ac:spMkLst>
+            <pc:docMk/>
+            <pc:sldMk cId="1636317749" sldId="262"/>
+            <ac:spMk id="50" creationId="{527B7E85-3338-7165-6A42-FC40E52E03AA}"/>
+          </ac:spMkLst>
+        </pc:spChg>
+        <pc:spChg chg="mod ord">
+          <ac:chgData name="vonWaldow, Ulrich" userId="c64b3fe1-2fbf-4408-adc4-30add62e991f" providerId="ADAL" clId="{7565AB0A-5E6A-4A6E-A466-98EA7772229E}" dt="2024-09-05T14:58:32.951" v="133" actId="6264"/>
+          <ac:spMkLst>
+            <pc:docMk/>
+            <pc:sldMk cId="1636317749" sldId="262"/>
+            <ac:spMk id="51" creationId="{8D5096C3-287E-5EAD-E0E6-5BBB7E1A0B98}"/>
+          </ac:spMkLst>
+        </pc:spChg>
+        <pc:spChg chg="mod ord">
+          <ac:chgData name="vonWaldow, Ulrich" userId="c64b3fe1-2fbf-4408-adc4-30add62e991f" providerId="ADAL" clId="{7565AB0A-5E6A-4A6E-A466-98EA7772229E}" dt="2024-09-05T14:58:32.951" v="133" actId="6264"/>
+          <ac:spMkLst>
+            <pc:docMk/>
+            <pc:sldMk cId="1636317749" sldId="262"/>
+            <ac:spMk id="52" creationId="{88EADF9F-A0E9-E8C7-B183-754B048BB547}"/>
+          </ac:spMkLst>
+        </pc:spChg>
+        <pc:graphicFrameChg chg="mod">
+          <ac:chgData name="vonWaldow, Ulrich" userId="c64b3fe1-2fbf-4408-adc4-30add62e991f" providerId="ADAL" clId="{7565AB0A-5E6A-4A6E-A466-98EA7772229E}" dt="2024-09-05T14:58:33.474" v="138"/>
+          <ac:graphicFrameMkLst>
+            <pc:docMk/>
+            <pc:sldMk cId="1636317749" sldId="262"/>
+            <ac:graphicFrameMk id="36" creationId="{7B8F5580-A789-1203-4FC7-668A3D01CCCB}"/>
+          </ac:graphicFrameMkLst>
+        </pc:graphicFrameChg>
+      </pc:sldChg>
+      <pc:sldChg chg="addSp modSp new mod">
+        <pc:chgData name="vonWaldow, Ulrich" userId="c64b3fe1-2fbf-4408-adc4-30add62e991f" providerId="ADAL" clId="{7565AB0A-5E6A-4A6E-A466-98EA7772229E}" dt="2024-09-05T14:59:25.821" v="164" actId="20577"/>
+        <pc:sldMkLst>
+          <pc:docMk/>
+          <pc:sldMk cId="1004921193" sldId="263"/>
+        </pc:sldMkLst>
         <pc:spChg chg="mod">
-          <ac:chgData name="vonWaldow, Ulrich" userId="c64b3fe1-2fbf-4408-adc4-30add62e991f" providerId="ADAL" clId="{7565AB0A-5E6A-4A6E-A466-98EA7772229E}" dt="2024-09-05T13:53:25.879" v="36"/>
-          <ac:spMkLst>
-            <pc:docMk/>
-            <pc:sldMk cId="1636317749" sldId="262"/>
-            <ac:spMk id="21" creationId="{43A58038-ABE8-5392-73A3-BEDB4C1F356C}"/>
+          <ac:chgData name="vonWaldow, Ulrich" userId="c64b3fe1-2fbf-4408-adc4-30add62e991f" providerId="ADAL" clId="{7565AB0A-5E6A-4A6E-A466-98EA7772229E}" dt="2024-09-05T14:58:07.021" v="115" actId="948"/>
+          <ac:spMkLst>
+            <pc:docMk/>
+            <pc:sldMk cId="1004921193" sldId="263"/>
+            <ac:spMk id="2" creationId="{F3A25C97-20B6-004A-E23B-F830284AA463}"/>
           </ac:spMkLst>
         </pc:spChg>
         <pc:spChg chg="mod">
-          <ac:chgData name="vonWaldow, Ulrich" userId="c64b3fe1-2fbf-4408-adc4-30add62e991f" providerId="ADAL" clId="{7565AB0A-5E6A-4A6E-A466-98EA7772229E}" dt="2024-09-05T13:53:33.616" v="37"/>
-          <ac:spMkLst>
-            <pc:docMk/>
-            <pc:sldMk cId="1636317749" sldId="262"/>
-            <ac:spMk id="22" creationId="{048F7D3C-2A73-0CA3-FEE0-0E951B9AA65A}"/>
+          <ac:chgData name="vonWaldow, Ulrich" userId="c64b3fe1-2fbf-4408-adc4-30add62e991f" providerId="ADAL" clId="{7565AB0A-5E6A-4A6E-A466-98EA7772229E}" dt="2024-09-05T14:58:24.840" v="132" actId="20577"/>
+          <ac:spMkLst>
+            <pc:docMk/>
+            <pc:sldMk cId="1004921193" sldId="263"/>
+            <ac:spMk id="3" creationId="{83EF5DCC-858A-4F8C-B1FA-82C5DA1E57B5}"/>
           </ac:spMkLst>
         </pc:spChg>
         <pc:spChg chg="mod">
-          <ac:chgData name="vonWaldow, Ulrich" userId="c64b3fe1-2fbf-4408-adc4-30add62e991f" providerId="ADAL" clId="{7565AB0A-5E6A-4A6E-A466-98EA7772229E}" dt="2024-09-05T13:51:23.693" v="29"/>
-          <ac:spMkLst>
-            <pc:docMk/>
-            <pc:sldMk cId="1636317749" sldId="262"/>
-            <ac:spMk id="24" creationId="{5F27A636-BB37-E559-5CCA-6E21CDD4F35B}"/>
+          <ac:chgData name="vonWaldow, Ulrich" userId="c64b3fe1-2fbf-4408-adc4-30add62e991f" providerId="ADAL" clId="{7565AB0A-5E6A-4A6E-A466-98EA7772229E}" dt="2024-09-05T14:58:18.224" v="129" actId="20577"/>
+          <ac:spMkLst>
+            <pc:docMk/>
+            <pc:sldMk cId="1004921193" sldId="263"/>
+            <ac:spMk id="4" creationId="{3AAE7F27-43AF-9CA3-2563-10CF0A45ECBA}"/>
           </ac:spMkLst>
         </pc:spChg>
         <pc:spChg chg="mod">
-          <ac:chgData name="vonWaldow, Ulrich" userId="c64b3fe1-2fbf-4408-adc4-30add62e991f" providerId="ADAL" clId="{7565AB0A-5E6A-4A6E-A466-98EA7772229E}" dt="2024-09-05T13:56:31.577" v="39" actId="6549"/>
-          <ac:spMkLst>
-            <pc:docMk/>
-            <pc:sldMk cId="1636317749" sldId="262"/>
-            <ac:spMk id="28" creationId="{02884E67-468E-0855-DF3C-A8D0E2177449}"/>
-          </ac:spMkLst>
-        </pc:spChg>
+          <ac:chgData name="vonWaldow, Ulrich" userId="c64b3fe1-2fbf-4408-adc4-30add62e991f" providerId="ADAL" clId="{7565AB0A-5E6A-4A6E-A466-98EA7772229E}" dt="2024-09-05T14:59:19.602" v="162" actId="20577"/>
+          <ac:spMkLst>
+            <pc:docMk/>
+            <pc:sldMk cId="1004921193" sldId="263"/>
+            <ac:spMk id="5" creationId="{419D2C72-1837-CE48-7371-6B81A5F78D15}"/>
+          </ac:spMkLst>
+        </pc:spChg>
+        <pc:spChg chg="mod">
+          <ac:chgData name="vonWaldow, Ulrich" userId="c64b3fe1-2fbf-4408-adc4-30add62e991f" providerId="ADAL" clId="{7565AB0A-5E6A-4A6E-A466-98EA7772229E}" dt="2024-09-05T14:59:25.821" v="164" actId="20577"/>
+          <ac:spMkLst>
+            <pc:docMk/>
+            <pc:sldMk cId="1004921193" sldId="263"/>
+            <ac:spMk id="6" creationId="{50471D72-FBBA-FA72-9469-7A6EA321344F}"/>
+          </ac:spMkLst>
+        </pc:spChg>
+        <pc:spChg chg="mod">
+          <ac:chgData name="vonWaldow, Ulrich" userId="c64b3fe1-2fbf-4408-adc4-30add62e991f" providerId="ADAL" clId="{7565AB0A-5E6A-4A6E-A466-98EA7772229E}" dt="2024-09-05T14:58:10.394" v="127" actId="20577"/>
+          <ac:spMkLst>
+            <pc:docMk/>
+            <pc:sldMk cId="1004921193" sldId="263"/>
+            <ac:spMk id="7" creationId="{C70BC293-E049-C4E3-AFBF-5137932A17FF}"/>
+          </ac:spMkLst>
+        </pc:spChg>
+        <pc:spChg chg="mod">
+          <ac:chgData name="vonWaldow, Ulrich" userId="c64b3fe1-2fbf-4408-adc4-30add62e991f" providerId="ADAL" clId="{7565AB0A-5E6A-4A6E-A466-98EA7772229E}" dt="2024-09-05T14:57:50.260" v="85" actId="20577"/>
+          <ac:spMkLst>
+            <pc:docMk/>
+            <pc:sldMk cId="1004921193" sldId="263"/>
+            <ac:spMk id="8" creationId="{BDED3AE8-5F28-9741-503B-4BC90B67A9A8}"/>
+          </ac:spMkLst>
+        </pc:spChg>
+        <pc:spChg chg="mod">
+          <ac:chgData name="vonWaldow, Ulrich" userId="c64b3fe1-2fbf-4408-adc4-30add62e991f" providerId="ADAL" clId="{7565AB0A-5E6A-4A6E-A466-98EA7772229E}" dt="2024-09-05T14:58:02.514" v="103" actId="20577"/>
+          <ac:spMkLst>
+            <pc:docMk/>
+            <pc:sldMk cId="1004921193" sldId="263"/>
+            <ac:spMk id="9" creationId="{326F6D61-B107-67C2-2753-CB0AAD1F7206}"/>
+          </ac:spMkLst>
+        </pc:spChg>
+        <pc:spChg chg="mod">
+          <ac:chgData name="vonWaldow, Ulrich" userId="c64b3fe1-2fbf-4408-adc4-30add62e991f" providerId="ADAL" clId="{7565AB0A-5E6A-4A6E-A466-98EA7772229E}" dt="2024-09-05T14:57:44.369" v="72" actId="20577"/>
+          <ac:spMkLst>
+            <pc:docMk/>
+            <pc:sldMk cId="1004921193" sldId="263"/>
+            <ac:spMk id="10" creationId="{22A515A0-88C9-D952-6304-0FD9186681CC}"/>
+          </ac:spMkLst>
+        </pc:spChg>
+        <pc:spChg chg="mod">
+          <ac:chgData name="vonWaldow, Ulrich" userId="c64b3fe1-2fbf-4408-adc4-30add62e991f" providerId="ADAL" clId="{7565AB0A-5E6A-4A6E-A466-98EA7772229E}" dt="2024-09-05T14:57:46.961" v="78" actId="20577"/>
+          <ac:spMkLst>
+            <pc:docMk/>
+            <pc:sldMk cId="1004921193" sldId="263"/>
+            <ac:spMk id="11" creationId="{55D1155D-6537-BC8D-24DB-CE58FE758C72}"/>
+          </ac:spMkLst>
+        </pc:spChg>
+        <pc:spChg chg="mod">
+          <ac:chgData name="vonWaldow, Ulrich" userId="c64b3fe1-2fbf-4408-adc4-30add62e991f" providerId="ADAL" clId="{7565AB0A-5E6A-4A6E-A466-98EA7772229E}" dt="2024-09-05T14:58:54.410" v="144" actId="20577"/>
+          <ac:spMkLst>
+            <pc:docMk/>
+            <pc:sldMk cId="1004921193" sldId="263"/>
+            <ac:spMk id="12" creationId="{10DF1904-0CD5-766F-8CA7-52F8E33231F8}"/>
+          </ac:spMkLst>
+        </pc:spChg>
+        <pc:spChg chg="mod">
+          <ac:chgData name="vonWaldow, Ulrich" userId="c64b3fe1-2fbf-4408-adc4-30add62e991f" providerId="ADAL" clId="{7565AB0A-5E6A-4A6E-A466-98EA7772229E}" dt="2024-09-05T14:59:06.938" v="156" actId="20577"/>
+          <ac:spMkLst>
+            <pc:docMk/>
+            <pc:sldMk cId="1004921193" sldId="263"/>
+            <ac:spMk id="13" creationId="{D6D99593-C6C3-799D-677A-1AEFCC2673D4}"/>
+          </ac:spMkLst>
+        </pc:spChg>
+        <pc:spChg chg="mod">
+          <ac:chgData name="vonWaldow, Ulrich" userId="c64b3fe1-2fbf-4408-adc4-30add62e991f" providerId="ADAL" clId="{7565AB0A-5E6A-4A6E-A466-98EA7772229E}" dt="2024-09-05T14:58:57.784" v="149" actId="20577"/>
+          <ac:spMkLst>
+            <pc:docMk/>
+            <pc:sldMk cId="1004921193" sldId="263"/>
+            <ac:spMk id="14" creationId="{284C7DC3-1C26-DA16-5CD1-98C620C31FB4}"/>
+          </ac:spMkLst>
+        </pc:spChg>
+        <pc:spChg chg="mod">
+          <ac:chgData name="vonWaldow, Ulrich" userId="c64b3fe1-2fbf-4408-adc4-30add62e991f" providerId="ADAL" clId="{7565AB0A-5E6A-4A6E-A466-98EA7772229E}" dt="2024-09-05T14:59:09.843" v="158" actId="20577"/>
+          <ac:spMkLst>
+            <pc:docMk/>
+            <pc:sldMk cId="1004921193" sldId="263"/>
+            <ac:spMk id="15" creationId="{301CBC02-D099-A002-AA2B-0737D8B8723E}"/>
+          </ac:spMkLst>
+        </pc:spChg>
+        <pc:spChg chg="mod">
+          <ac:chgData name="vonWaldow, Ulrich" userId="c64b3fe1-2fbf-4408-adc4-30add62e991f" providerId="ADAL" clId="{7565AB0A-5E6A-4A6E-A466-98EA7772229E}" dt="2024-09-05T14:59:00.487" v="154" actId="20577"/>
+          <ac:spMkLst>
+            <pc:docMk/>
+            <pc:sldMk cId="1004921193" sldId="263"/>
+            <ac:spMk id="16" creationId="{2CE00CF0-95E4-F044-16AB-D6D4BBDD8BF0}"/>
+          </ac:spMkLst>
+        </pc:spChg>
+        <pc:spChg chg="mod">
+          <ac:chgData name="vonWaldow, Ulrich" userId="c64b3fe1-2fbf-4408-adc4-30add62e991f" providerId="ADAL" clId="{7565AB0A-5E6A-4A6E-A466-98EA7772229E}" dt="2024-09-05T14:59:12.505" v="160" actId="20577"/>
+          <ac:spMkLst>
+            <pc:docMk/>
+            <pc:sldMk cId="1004921193" sldId="263"/>
+            <ac:spMk id="17" creationId="{DE28C497-71E6-BB38-BAA5-A50C015D7F2C}"/>
+          </ac:spMkLst>
+        </pc:spChg>
+        <pc:graphicFrameChg chg="add mod ord modVis replST">
+          <ac:chgData name="vonWaldow, Ulrich" userId="c64b3fe1-2fbf-4408-adc4-30add62e991f" providerId="ADAL" clId="{7565AB0A-5E6A-4A6E-A466-98EA7772229E}" dt="2024-09-05T14:58:07.034" v="119"/>
+          <ac:graphicFrameMkLst>
+            <pc:docMk/>
+            <pc:sldMk cId="1004921193" sldId="263"/>
+            <ac:graphicFrameMk id="18" creationId="{DCCB58E3-701A-4423-CE8F-F617D94DA2D3}"/>
+          </ac:graphicFrameMkLst>
+        </pc:graphicFrameChg>
       </pc:sldChg>
       <pc:sldMasterChg chg="modSldLayout">
-        <pc:chgData name="vonWaldow, Ulrich" userId="c64b3fe1-2fbf-4408-adc4-30add62e991f" providerId="ADAL" clId="{7565AB0A-5E6A-4A6E-A466-98EA7772229E}" dt="2024-08-26T10:58:04.057" v="17" actId="20577"/>
+        <pc:chgData name="vonWaldow, Ulrich" userId="c64b3fe1-2fbf-4408-adc4-30add62e991f" providerId="ADAL" clId="{7565AB0A-5E6A-4A6E-A466-98EA7772229E}" dt="2024-09-05T14:58:42.291" v="139" actId="207"/>
         <pc:sldMasterMkLst>
           <pc:docMk/>
           <pc:sldMasterMk cId="3620642421" sldId="2147483927"/>
         </pc:sldMasterMkLst>
         <pc:sldLayoutChg chg="modSp mod">
-          <pc:chgData name="vonWaldow, Ulrich" userId="c64b3fe1-2fbf-4408-adc4-30add62e991f" providerId="ADAL" clId="{7565AB0A-5E6A-4A6E-A466-98EA7772229E}" dt="2024-08-26T10:58:04.057" v="17" actId="20577"/>
+          <pc:chgData name="vonWaldow, Ulrich" userId="c64b3fe1-2fbf-4408-adc4-30add62e991f" providerId="ADAL" clId="{7565AB0A-5E6A-4A6E-A466-98EA7772229E}" dt="2024-09-05T14:58:42.291" v="139" actId="207"/>
           <pc:sldLayoutMkLst>
             <pc:docMk/>
             <pc:sldMasterMk cId="3620642421" sldId="2147483927"/>
             <pc:sldLayoutMk cId="610450036" sldId="2147483960"/>
           </pc:sldLayoutMkLst>
+          <pc:spChg chg="mod">
+            <ac:chgData name="vonWaldow, Ulrich" userId="c64b3fe1-2fbf-4408-adc4-30add62e991f" providerId="ADAL" clId="{7565AB0A-5E6A-4A6E-A466-98EA7772229E}" dt="2024-09-05T14:58:42.291" v="139" actId="207"/>
+            <ac:spMkLst>
+              <pc:docMk/>
+              <pc:sldMasterMk cId="3620642421" sldId="2147483927"/>
+              <pc:sldLayoutMk cId="610450036" sldId="2147483960"/>
+              <ac:spMk id="9" creationId="{94A5A9BB-ABCC-39B6-3A2F-713163FA3754}"/>
+            </ac:spMkLst>
+          </pc:spChg>
+          <pc:spChg chg="mod">
+            <ac:chgData name="vonWaldow, Ulrich" userId="c64b3fe1-2fbf-4408-adc4-30add62e991f" providerId="ADAL" clId="{7565AB0A-5E6A-4A6E-A466-98EA7772229E}" dt="2024-09-05T14:58:42.291" v="139" actId="207"/>
+            <ac:spMkLst>
+              <pc:docMk/>
+              <pc:sldMasterMk cId="3620642421" sldId="2147483927"/>
+              <pc:sldLayoutMk cId="610450036" sldId="2147483960"/>
+              <ac:spMk id="16" creationId="{AA11F49E-35B8-0CCD-FA07-157FA808BB78}"/>
+            </ac:spMkLst>
+          </pc:spChg>
+          <pc:spChg chg="mod">
+            <ac:chgData name="vonWaldow, Ulrich" userId="c64b3fe1-2fbf-4408-adc4-30add62e991f" providerId="ADAL" clId="{7565AB0A-5E6A-4A6E-A466-98EA7772229E}" dt="2024-09-05T14:58:42.291" v="139" actId="207"/>
+            <ac:spMkLst>
+              <pc:docMk/>
+              <pc:sldMasterMk cId="3620642421" sldId="2147483927"/>
+              <pc:sldLayoutMk cId="610450036" sldId="2147483960"/>
+              <ac:spMk id="18" creationId="{E8A4FF14-553B-08AC-2A2B-6F1C3B25BB0B}"/>
+            </ac:spMkLst>
+          </pc:spChg>
           <pc:spChg chg="mod">
             <ac:chgData name="vonWaldow, Ulrich" userId="c64b3fe1-2fbf-4408-adc4-30add62e991f" providerId="ADAL" clId="{7565AB0A-5E6A-4A6E-A466-98EA7772229E}" dt="2024-08-26T10:57:31.730" v="1" actId="14100"/>
             <ac:spMkLst>
@@ -2795,7 +3197,7 @@
               <a:buNone/>
               <a:defRPr sz="2000" b="1">
                 <a:solidFill>
-                  <a:schemeClr val="tx1"/>
+                  <a:schemeClr val="tx2"/>
                 </a:solidFill>
               </a:defRPr>
             </a:lvl1pPr>
@@ -2966,7 +3368,7 @@
               <a:buNone/>
               <a:defRPr sz="2000" b="1">
                 <a:solidFill>
-                  <a:schemeClr val="tx1"/>
+                  <a:schemeClr val="tx2"/>
                 </a:solidFill>
               </a:defRPr>
             </a:lvl1pPr>
@@ -3137,7 +3539,7 @@
               <a:buNone/>
               <a:defRPr sz="2000" b="1">
                 <a:solidFill>
-                  <a:schemeClr val="tx1"/>
+                  <a:schemeClr val="tx2"/>
                 </a:solidFill>
               </a:defRPr>
             </a:lvl1pPr>
@@ -4527,10 +4929,10 @@
       </p:grpSpPr>
       <p:graphicFrame>
         <p:nvGraphicFramePr>
-          <p:cNvPr id="36" name="think-cell data - do not delete" hidden="1">
+          <p:cNvPr id="18" name="think-cell data - do not delete" hidden="1">
             <a:extLst>
               <a:ext uri="{FF2B5EF4-FFF2-40B4-BE49-F238E27FC236}">
-                <a16:creationId xmlns:a16="http://schemas.microsoft.com/office/drawing/2014/main" id="{7B8F5580-A789-1203-4FC7-668A3D01CCCB}"/>
+                <a16:creationId xmlns:a16="http://schemas.microsoft.com/office/drawing/2014/main" id="{DCCB58E3-701A-4423-CE8F-F617D94DA2D3}"/>
               </a:ext>
             </a:extLst>
           </p:cNvPr>
@@ -4543,7 +4945,7 @@
             </p:custDataLst>
             <p:extLst>
               <p:ext uri="{D42A27DB-BD31-4B8C-83A1-F6EECF244321}">
-                <p14:modId xmlns:p14="http://schemas.microsoft.com/office/powerpoint/2010/main" val="2204851526"/>
+                <p14:modId xmlns:p14="http://schemas.microsoft.com/office/powerpoint/2010/main" val="2051645466"/>
               </p:ext>
             </p:extLst>
           </p:nvPr>
@@ -4556,19 +4958,19 @@
           <a:graphicData uri="http://schemas.openxmlformats.org/presentationml/2006/ole">
             <mc:AlternateContent xmlns:mc="http://schemas.openxmlformats.org/markup-compatibility/2006">
               <mc:Choice xmlns:v="urn:schemas-microsoft-com:vml" Requires="v">
-                <p:oleObj name="think-cell Folie" r:id="rId3" imgW="410" imgH="409" progId="TCLayout.ActiveDocument.1">
+                <p:oleObj name="think-cell Folie" r:id="rId3" imgW="404" imgH="405" progId="TCLayout.ActiveDocument.1">
                   <p:embed/>
                 </p:oleObj>
               </mc:Choice>
               <mc:Fallback>
-                <p:oleObj name="think-cell Folie" r:id="rId3" imgW="410" imgH="409" progId="TCLayout.ActiveDocument.1">
+                <p:oleObj name="think-cell Folie" r:id="rId3" imgW="404" imgH="405" progId="TCLayout.ActiveDocument.1">
                   <p:embed/>
                   <p:pic>
                     <p:nvPicPr>
-                      <p:cNvPr id="36" name="think-cell data - do not delete" hidden="1">
+                      <p:cNvPr id="18" name="think-cell data - do not delete" hidden="1">
                         <a:extLst>
                           <a:ext uri="{FF2B5EF4-FFF2-40B4-BE49-F238E27FC236}">
-                            <a16:creationId xmlns:a16="http://schemas.microsoft.com/office/drawing/2014/main" id="{7B8F5580-A789-1203-4FC7-668A3D01CCCB}"/>
+                            <a16:creationId xmlns:a16="http://schemas.microsoft.com/office/drawing/2014/main" id="{DCCB58E3-701A-4423-CE8F-F617D94DA2D3}"/>
                           </a:ext>
                         </a:extLst>
                       </p:cNvPr>
@@ -4599,10 +5001,10 @@
       </p:graphicFrame>
       <p:sp>
         <p:nvSpPr>
-          <p:cNvPr id="20" name="Actiontitle">
+          <p:cNvPr id="2" name="Titel 1">
             <a:extLst>
               <a:ext uri="{FF2B5EF4-FFF2-40B4-BE49-F238E27FC236}">
-                <a16:creationId xmlns:a16="http://schemas.microsoft.com/office/drawing/2014/main" id="{726E5BEB-613B-0FB6-217C-190F6CC6E5E2}"/>
+                <a16:creationId xmlns:a16="http://schemas.microsoft.com/office/drawing/2014/main" id="{F3A25C97-20B6-004A-E23B-F830284AA463}"/>
               </a:ext>
             </a:extLst>
           </p:cNvPr>
@@ -4613,12 +5015,7 @@
             <p:ph type="title"/>
           </p:nvPr>
         </p:nvSpPr>
-        <p:spPr>
-          <a:xfrm>
-            <a:off x="334962" y="0"/>
-            <a:ext cx="11522075" cy="586860"/>
-          </a:xfrm>
-        </p:spPr>
+        <p:spPr/>
         <p:txBody>
           <a:bodyPr vert="horz"/>
           <a:lstStyle/>
@@ -4633,10 +5030,10 @@
       </p:sp>
       <p:sp>
         <p:nvSpPr>
-          <p:cNvPr id="22" name="Solution concept">
+          <p:cNvPr id="3" name="Textplatzhalter 2">
             <a:extLst>
               <a:ext uri="{FF2B5EF4-FFF2-40B4-BE49-F238E27FC236}">
-                <a16:creationId xmlns:a16="http://schemas.microsoft.com/office/drawing/2014/main" id="{048F7D3C-2A73-0CA3-FEE0-0E951B9AA65A}"/>
+                <a16:creationId xmlns:a16="http://schemas.microsoft.com/office/drawing/2014/main" id="{83EF5DCC-858A-4F8C-B1FA-82C5DA1E57B5}"/>
               </a:ext>
             </a:extLst>
           </p:cNvPr>
@@ -4647,12 +5044,7 @@
             <p:ph type="body" sz="quarter" idx="11"/>
           </p:nvPr>
         </p:nvSpPr>
-        <p:spPr>
-          <a:xfrm>
-            <a:off x="667454" y="3159363"/>
-            <a:ext cx="5428713" cy="1306248"/>
-          </a:xfrm>
-        </p:spPr>
+        <p:spPr/>
         <p:txBody>
           <a:bodyPr/>
           <a:lstStyle/>
@@ -4666,10 +5058,10 @@
       </p:sp>
       <p:sp>
         <p:nvSpPr>
-          <p:cNvPr id="21" name="Initial situation">
+          <p:cNvPr id="4" name="Textplatzhalter 3">
             <a:extLst>
               <a:ext uri="{FF2B5EF4-FFF2-40B4-BE49-F238E27FC236}">
-                <a16:creationId xmlns:a16="http://schemas.microsoft.com/office/drawing/2014/main" id="{43A58038-ABE8-5392-73A3-BEDB4C1F356C}"/>
+                <a16:creationId xmlns:a16="http://schemas.microsoft.com/office/drawing/2014/main" id="{3AAE7F27-43AF-9CA3-2563-10CF0A45ECBA}"/>
               </a:ext>
             </a:extLst>
           </p:cNvPr>
@@ -4680,12 +5072,7 @@
             <p:ph type="body" sz="quarter" idx="10"/>
           </p:nvPr>
         </p:nvSpPr>
-        <p:spPr>
-          <a:xfrm>
-            <a:off x="629808" y="1383975"/>
-            <a:ext cx="5466359" cy="1365365"/>
-          </a:xfrm>
-        </p:spPr>
+        <p:spPr/>
         <p:txBody>
           <a:bodyPr/>
           <a:lstStyle/>
@@ -4699,10 +5086,10 @@
       </p:sp>
       <p:sp>
         <p:nvSpPr>
-          <p:cNvPr id="48" name="Statement">
+          <p:cNvPr id="5" name="Textplatzhalter 4">
             <a:extLst>
               <a:ext uri="{FF2B5EF4-FFF2-40B4-BE49-F238E27FC236}">
-                <a16:creationId xmlns:a16="http://schemas.microsoft.com/office/drawing/2014/main" id="{047960EC-5F49-5061-585A-3BB44708B701}"/>
+                <a16:creationId xmlns:a16="http://schemas.microsoft.com/office/drawing/2014/main" id="{419D2C72-1837-CE48-7371-6B81A5F78D15}"/>
               </a:ext>
             </a:extLst>
           </p:cNvPr>
@@ -4713,12 +5100,7 @@
             <p:ph type="body" sz="quarter" idx="13"/>
           </p:nvPr>
         </p:nvSpPr>
-        <p:spPr>
-          <a:xfrm>
-            <a:off x="6714311" y="1260038"/>
-            <a:ext cx="4696638" cy="1319198"/>
-          </a:xfrm>
-        </p:spPr>
+        <p:spPr/>
         <p:txBody>
           <a:bodyPr/>
           <a:lstStyle/>
@@ -4732,10 +5114,10 @@
       </p:sp>
       <p:sp>
         <p:nvSpPr>
-          <p:cNvPr id="49" name="Picture_1">
+          <p:cNvPr id="6" name="Textplatzhalter 5">
             <a:extLst>
               <a:ext uri="{FF2B5EF4-FFF2-40B4-BE49-F238E27FC236}">
-                <a16:creationId xmlns:a16="http://schemas.microsoft.com/office/drawing/2014/main" id="{5260D3B4-2FC5-3586-EC71-3C47D72FDE9C}"/>
+                <a16:creationId xmlns:a16="http://schemas.microsoft.com/office/drawing/2014/main" id="{50471D72-FBBA-FA72-9469-7A6EA321344F}"/>
               </a:ext>
             </a:extLst>
           </p:cNvPr>
@@ -4746,12 +5128,7 @@
             <p:ph type="body" sz="quarter" idx="20"/>
           </p:nvPr>
         </p:nvSpPr>
-        <p:spPr>
-          <a:xfrm>
-            <a:off x="6278949" y="3175810"/>
-            <a:ext cx="5567363" cy="3097991"/>
-          </a:xfrm>
-        </p:spPr>
+        <p:spPr/>
         <p:txBody>
           <a:bodyPr/>
           <a:lstStyle/>
@@ -4765,10 +5142,10 @@
       </p:sp>
       <p:sp>
         <p:nvSpPr>
-          <p:cNvPr id="28" name="Industry">
+          <p:cNvPr id="7" name="Textplatzhalter 6">
             <a:extLst>
               <a:ext uri="{FF2B5EF4-FFF2-40B4-BE49-F238E27FC236}">
-                <a16:creationId xmlns:a16="http://schemas.microsoft.com/office/drawing/2014/main" id="{02884E67-468E-0855-DF3C-A8D0E2177449}"/>
+                <a16:creationId xmlns:a16="http://schemas.microsoft.com/office/drawing/2014/main" id="{C70BC293-E049-C4E3-AFBF-5137932A17FF}"/>
               </a:ext>
             </a:extLst>
           </p:cNvPr>
@@ -4779,12 +5156,7 @@
             <p:ph type="body" sz="quarter" idx="19"/>
           </p:nvPr>
         </p:nvSpPr>
-        <p:spPr>
-          <a:xfrm>
-            <a:off x="334962" y="586859"/>
-            <a:ext cx="11522075" cy="327540"/>
-          </a:xfrm>
-        </p:spPr>
+        <p:spPr/>
         <p:txBody>
           <a:bodyPr/>
           <a:lstStyle/>
@@ -4798,10 +5170,10 @@
       </p:sp>
       <p:sp>
         <p:nvSpPr>
-          <p:cNvPr id="24" name="Company">
+          <p:cNvPr id="8" name="Textplatzhalter 7">
             <a:extLst>
               <a:ext uri="{FF2B5EF4-FFF2-40B4-BE49-F238E27FC236}">
-                <a16:creationId xmlns:a16="http://schemas.microsoft.com/office/drawing/2014/main" id="{5F27A636-BB37-E559-5CCA-6E21CDD4F35B}"/>
+                <a16:creationId xmlns:a16="http://schemas.microsoft.com/office/drawing/2014/main" id="{BDED3AE8-5F28-9741-503B-4BC90B67A9A8}"/>
               </a:ext>
             </a:extLst>
           </p:cNvPr>
@@ -4812,29 +5184,24 @@
             <p:ph type="body" sz="quarter" idx="15"/>
           </p:nvPr>
         </p:nvSpPr>
-        <p:spPr>
-          <a:xfrm>
-            <a:off x="934018" y="-683511"/>
-            <a:ext cx="2966720" cy="211203"/>
-          </a:xfrm>
-        </p:spPr>
+        <p:spPr/>
         <p:txBody>
           <a:bodyPr/>
           <a:lstStyle/>
           <a:p>
             <a:r>
               <a:rPr lang="en-US" dirty="0"/>
-              <a:t>'Company</a:t>
+              <a:t>Company</a:t>
             </a:r>
           </a:p>
         </p:txBody>
       </p:sp>
       <p:sp>
         <p:nvSpPr>
-          <p:cNvPr id="25" name="Person responsible">
+          <p:cNvPr id="9" name="Textplatzhalter 8">
             <a:extLst>
               <a:ext uri="{FF2B5EF4-FFF2-40B4-BE49-F238E27FC236}">
-                <a16:creationId xmlns:a16="http://schemas.microsoft.com/office/drawing/2014/main" id="{C2A01D36-154B-240E-E2C0-1B0051E95678}"/>
+                <a16:creationId xmlns:a16="http://schemas.microsoft.com/office/drawing/2014/main" id="{326F6D61-B107-67C2-2753-CB0AAD1F7206}"/>
               </a:ext>
             </a:extLst>
           </p:cNvPr>
@@ -4845,30 +5212,24 @@
             <p:ph type="body" sz="quarter" idx="16"/>
           </p:nvPr>
         </p:nvSpPr>
-        <p:spPr>
-          <a:xfrm>
-            <a:off x="934018" y="-373369"/>
-            <a:ext cx="2966720" cy="211203"/>
-          </a:xfrm>
-        </p:spPr>
+        <p:spPr/>
         <p:txBody>
           <a:bodyPr/>
           <a:lstStyle/>
           <a:p>
             <a:r>
-              <a:rPr lang="en-US"/>
+              <a:rPr lang="en-US" dirty="0"/>
               <a:t>Person responsible</a:t>
             </a:r>
-            <a:endParaRPr lang="en-US" dirty="0"/>
           </a:p>
         </p:txBody>
       </p:sp>
       <p:sp>
         <p:nvSpPr>
-          <p:cNvPr id="26" name="ID">
+          <p:cNvPr id="10" name="Textplatzhalter 9">
             <a:extLst>
               <a:ext uri="{FF2B5EF4-FFF2-40B4-BE49-F238E27FC236}">
-                <a16:creationId xmlns:a16="http://schemas.microsoft.com/office/drawing/2014/main" id="{CD383C24-CE5E-0ED2-84A6-C4E1547B2288}"/>
+                <a16:creationId xmlns:a16="http://schemas.microsoft.com/office/drawing/2014/main" id="{22A515A0-88C9-D952-6304-0FD9186681CC}"/>
               </a:ext>
             </a:extLst>
           </p:cNvPr>
@@ -4879,12 +5240,7 @@
             <p:ph type="body" sz="quarter" idx="17"/>
           </p:nvPr>
         </p:nvSpPr>
-        <p:spPr>
-          <a:xfrm>
-            <a:off x="4104" y="-990610"/>
-            <a:ext cx="828000" cy="828444"/>
-          </a:xfrm>
-        </p:spPr>
+        <p:spPr/>
         <p:txBody>
           <a:bodyPr/>
           <a:lstStyle/>
@@ -4898,10 +5254,10 @@
       </p:sp>
       <p:sp>
         <p:nvSpPr>
-          <p:cNvPr id="27" name="Domain">
+          <p:cNvPr id="11" name="Textplatzhalter 10">
             <a:extLst>
               <a:ext uri="{FF2B5EF4-FFF2-40B4-BE49-F238E27FC236}">
-                <a16:creationId xmlns:a16="http://schemas.microsoft.com/office/drawing/2014/main" id="{AF6B8439-D011-1578-53EA-A11E7E2C4311}"/>
+                <a16:creationId xmlns:a16="http://schemas.microsoft.com/office/drawing/2014/main" id="{55D1155D-6537-BC8D-24DB-CE58FE758C72}"/>
               </a:ext>
             </a:extLst>
           </p:cNvPr>
@@ -4912,12 +5268,7 @@
             <p:ph type="body" sz="quarter" idx="18"/>
           </p:nvPr>
         </p:nvSpPr>
-        <p:spPr>
-          <a:xfrm>
-            <a:off x="934018" y="-990610"/>
-            <a:ext cx="2966720" cy="211203"/>
-          </a:xfrm>
-        </p:spPr>
+        <p:spPr/>
         <p:txBody>
           <a:bodyPr/>
           <a:lstStyle/>
@@ -4931,10 +5282,10 @@
       </p:sp>
       <p:sp>
         <p:nvSpPr>
-          <p:cNvPr id="30" name="KPI 1">
+          <p:cNvPr id="12" name="Textplatzhalter 11">
             <a:extLst>
               <a:ext uri="{FF2B5EF4-FFF2-40B4-BE49-F238E27FC236}">
-                <a16:creationId xmlns:a16="http://schemas.microsoft.com/office/drawing/2014/main" id="{7FB9CF18-A9C6-5785-50F8-0E78D149BF4E}"/>
+                <a16:creationId xmlns:a16="http://schemas.microsoft.com/office/drawing/2014/main" id="{10DF1904-0CD5-766F-8CA7-52F8E33231F8}"/>
               </a:ext>
             </a:extLst>
           </p:cNvPr>
@@ -4945,12 +5296,7 @@
             <p:ph type="body" sz="quarter" idx="28"/>
           </p:nvPr>
         </p:nvSpPr>
-        <p:spPr>
-          <a:xfrm>
-            <a:off x="667454" y="5088549"/>
-            <a:ext cx="1687125" cy="276999"/>
-          </a:xfrm>
-        </p:spPr>
+        <p:spPr/>
         <p:txBody>
           <a:bodyPr/>
           <a:lstStyle/>
@@ -4964,10 +5310,10 @@
       </p:sp>
       <p:sp>
         <p:nvSpPr>
-          <p:cNvPr id="50" name="Description KPI 1">
+          <p:cNvPr id="13" name="Textplatzhalter 12">
             <a:extLst>
               <a:ext uri="{FF2B5EF4-FFF2-40B4-BE49-F238E27FC236}">
-                <a16:creationId xmlns:a16="http://schemas.microsoft.com/office/drawing/2014/main" id="{527B7E85-3338-7165-6A42-FC40E52E03AA}"/>
+                <a16:creationId xmlns:a16="http://schemas.microsoft.com/office/drawing/2014/main" id="{D6D99593-C6C3-799D-677A-1AEFCC2673D4}"/>
               </a:ext>
             </a:extLst>
           </p:cNvPr>
@@ -4978,12 +5324,7 @@
             <p:ph type="body" sz="quarter" idx="29"/>
           </p:nvPr>
         </p:nvSpPr>
-        <p:spPr>
-          <a:xfrm>
-            <a:off x="667455" y="5365548"/>
-            <a:ext cx="1687125" cy="606780"/>
-          </a:xfrm>
-        </p:spPr>
+        <p:spPr/>
         <p:txBody>
           <a:bodyPr/>
           <a:lstStyle/>
@@ -4997,10 +5338,10 @@
       </p:sp>
       <p:sp>
         <p:nvSpPr>
-          <p:cNvPr id="32" name="KPI 2">
+          <p:cNvPr id="14" name="Textplatzhalter 13">
             <a:extLst>
               <a:ext uri="{FF2B5EF4-FFF2-40B4-BE49-F238E27FC236}">
-                <a16:creationId xmlns:a16="http://schemas.microsoft.com/office/drawing/2014/main" id="{A3A628C4-84F3-50A8-C9B5-CB791DF59455}"/>
+                <a16:creationId xmlns:a16="http://schemas.microsoft.com/office/drawing/2014/main" id="{284C7DC3-1C26-DA16-5CD1-98C620C31FB4}"/>
               </a:ext>
             </a:extLst>
           </p:cNvPr>
@@ -5011,12 +5352,7 @@
             <p:ph type="body" sz="quarter" idx="30"/>
           </p:nvPr>
         </p:nvSpPr>
-        <p:spPr>
-          <a:xfrm>
-            <a:off x="2538248" y="5088549"/>
-            <a:ext cx="1687125" cy="276999"/>
-          </a:xfrm>
-        </p:spPr>
+        <p:spPr/>
         <p:txBody>
           <a:bodyPr/>
           <a:lstStyle/>
@@ -5030,10 +5366,10 @@
       </p:sp>
       <p:sp>
         <p:nvSpPr>
-          <p:cNvPr id="51" name="Description KPI 2">
+          <p:cNvPr id="15" name="Textplatzhalter 14">
             <a:extLst>
               <a:ext uri="{FF2B5EF4-FFF2-40B4-BE49-F238E27FC236}">
-                <a16:creationId xmlns:a16="http://schemas.microsoft.com/office/drawing/2014/main" id="{8D5096C3-287E-5EAD-E0E6-5BBB7E1A0B98}"/>
+                <a16:creationId xmlns:a16="http://schemas.microsoft.com/office/drawing/2014/main" id="{301CBC02-D099-A002-AA2B-0737D8B8723E}"/>
               </a:ext>
             </a:extLst>
           </p:cNvPr>
@@ -5044,29 +5380,24 @@
             <p:ph type="body" sz="quarter" idx="31"/>
           </p:nvPr>
         </p:nvSpPr>
-        <p:spPr>
-          <a:xfrm>
-            <a:off x="2538248" y="5365548"/>
-            <a:ext cx="1687125" cy="606780"/>
-          </a:xfrm>
-        </p:spPr>
+        <p:spPr/>
         <p:txBody>
           <a:bodyPr/>
           <a:lstStyle/>
           <a:p>
             <a:r>
               <a:rPr lang="en-US" dirty="0"/>
-              <a:t>Description KPI 2</a:t>
+              <a:t>Description KPI 1</a:t>
             </a:r>
           </a:p>
         </p:txBody>
       </p:sp>
       <p:sp>
         <p:nvSpPr>
-          <p:cNvPr id="34" name="KPI 3">
+          <p:cNvPr id="16" name="Textplatzhalter 15">
             <a:extLst>
               <a:ext uri="{FF2B5EF4-FFF2-40B4-BE49-F238E27FC236}">
-                <a16:creationId xmlns:a16="http://schemas.microsoft.com/office/drawing/2014/main" id="{AA6366A9-1954-5255-B43B-40E8C31C88F3}"/>
+                <a16:creationId xmlns:a16="http://schemas.microsoft.com/office/drawing/2014/main" id="{2CE00CF0-95E4-F044-16AB-D6D4BBDD8BF0}"/>
               </a:ext>
             </a:extLst>
           </p:cNvPr>
@@ -5077,12 +5408,7 @@
             <p:ph type="body" sz="quarter" idx="32"/>
           </p:nvPr>
         </p:nvSpPr>
-        <p:spPr>
-          <a:xfrm>
-            <a:off x="4409041" y="5088549"/>
-            <a:ext cx="1687125" cy="276999"/>
-          </a:xfrm>
-        </p:spPr>
+        <p:spPr/>
         <p:txBody>
           <a:bodyPr/>
           <a:lstStyle/>
@@ -5096,10 +5422,10 @@
       </p:sp>
       <p:sp>
         <p:nvSpPr>
-          <p:cNvPr id="52" name="Description KPI 3">
+          <p:cNvPr id="17" name="Textplatzhalter 16">
             <a:extLst>
               <a:ext uri="{FF2B5EF4-FFF2-40B4-BE49-F238E27FC236}">
-                <a16:creationId xmlns:a16="http://schemas.microsoft.com/office/drawing/2014/main" id="{88EADF9F-A0E9-E8C7-B183-754B048BB547}"/>
+                <a16:creationId xmlns:a16="http://schemas.microsoft.com/office/drawing/2014/main" id="{DE28C497-71E6-BB38-BAA5-A50C015D7F2C}"/>
               </a:ext>
             </a:extLst>
           </p:cNvPr>
@@ -5110,19 +5436,14 @@
             <p:ph type="body" sz="quarter" idx="33"/>
           </p:nvPr>
         </p:nvSpPr>
-        <p:spPr>
-          <a:xfrm>
-            <a:off x="4409041" y="5365548"/>
-            <a:ext cx="1687125" cy="606780"/>
-          </a:xfrm>
-        </p:spPr>
+        <p:spPr/>
         <p:txBody>
           <a:bodyPr/>
           <a:lstStyle/>
           <a:p>
             <a:r>
               <a:rPr lang="en-US" dirty="0"/>
-              <a:t>Description KPI 3</a:t>
+              <a:t>Description KPI 1</a:t>
             </a:r>
           </a:p>
         </p:txBody>
@@ -5130,7 +5451,7 @@
     </p:spTree>
     <p:extLst>
       <p:ext uri="{BB962C8B-B14F-4D97-AF65-F5344CB8AC3E}">
-        <p14:creationId xmlns:p14="http://schemas.microsoft.com/office/powerpoint/2010/main" val="1636317749"/>
+        <p14:creationId xmlns:p14="http://schemas.microsoft.com/office/powerpoint/2010/main" val="1004921193"/>
       </p:ext>
     </p:extLst>
   </p:cSld>
@@ -6119,6 +6440,48 @@
 </file>
 
 <file path=customXml/item1.xml><?xml version="1.0" encoding="utf-8"?>
+<p:properties xmlns:p="http://schemas.microsoft.com/office/2006/metadata/properties" xmlns:xsi="http://www.w3.org/2001/XMLSchema-instance" xmlns:pc="http://schemas.microsoft.com/office/infopath/2007/PartnerControls">
+  <documentManagement>
+    <SharedWithUsers xmlns="3fb8dc1b-9d59-4105-bc07-f1f968f5154f">
+      <UserInfo>
+        <DisplayName>Budelmann, Enno</DisplayName>
+        <AccountId>12</AccountId>
+        <AccountType/>
+      </UserInfo>
+      <UserInfo>
+        <DisplayName>SharingLinks.3068ac1d-a568-467f-a8c0-63ecd7162cbd.OrganizationEdit.ce5b78f9-ebba-4333-b65e-3f12b5be2b22</DisplayName>
+        <AccountId>40</AccountId>
+        <AccountType/>
+      </UserInfo>
+      <UserInfo>
+        <DisplayName>Junker, Sebastian</DisplayName>
+        <AccountId>15</AccountId>
+        <AccountType/>
+      </UserInfo>
+      <UserInfo>
+        <DisplayName>Bunk, Justus</DisplayName>
+        <AccountId>201</AccountId>
+        <AccountType/>
+      </UserInfo>
+    </SharedWithUsers>
+    <lcf76f155ced4ddcb4097134ff3c332f xmlns="5b6c06b5-1db8-4c81-aedd-b1bde2b8bfd2">
+      <Terms xmlns="http://schemas.microsoft.com/office/infopath/2007/PartnerControls"/>
+    </lcf76f155ced4ddcb4097134ff3c332f>
+    <TaxCatchAll xmlns="3fb8dc1b-9d59-4105-bc07-f1f968f5154f" xsi:nil="true"/>
+  </documentManagement>
+</p:properties>
+</file>
+
+<file path=customXml/item2.xml><?xml version="1.0" encoding="utf-8"?>
+<?mso-contentType ?>
+<FormTemplates xmlns="http://schemas.microsoft.com/sharepoint/v3/contenttype/forms">
+  <Display>DocumentLibraryForm</Display>
+  <Edit>DocumentLibraryForm</Edit>
+  <New>DocumentLibraryForm</New>
+</FormTemplates>
+</file>
+
+<file path=customXml/item3.xml><?xml version="1.0" encoding="utf-8"?>
 <ct:contentTypeSchema xmlns:ct="http://schemas.microsoft.com/office/2006/metadata/contentType" xmlns:ma="http://schemas.microsoft.com/office/2006/metadata/properties/metaAttributes" ct:_="" ma:_="" ma:contentTypeName="Dokument" ma:contentTypeID="0x0101004FA53E48D41D05439A7FB623C7478AFF" ma:contentTypeVersion="18" ma:contentTypeDescription="Ein neues Dokument erstellen." ma:contentTypeScope="" ma:versionID="495b3b6b5079efe696b8d9f588648941">
   <xsd:schema xmlns:xsd="http://www.w3.org/2001/XMLSchema" xmlns:xs="http://www.w3.org/2001/XMLSchema" xmlns:p="http://schemas.microsoft.com/office/2006/metadata/properties" xmlns:ns2="5b6c06b5-1db8-4c81-aedd-b1bde2b8bfd2" xmlns:ns3="3fb8dc1b-9d59-4105-bc07-f1f968f5154f" targetNamespace="http://schemas.microsoft.com/office/2006/metadata/properties" ma:root="true" ma:fieldsID="2182acfa1422538829d9682ba2cc316e" ns2:_="" ns3:_="">
     <xsd:import namespace="5b6c06b5-1db8-4c81-aedd-b1bde2b8bfd2"/>
@@ -6373,49 +6736,32 @@
 </ct:contentTypeSchema>
 </file>
 
-<file path=customXml/item2.xml><?xml version="1.0" encoding="utf-8"?>
-<?mso-contentType ?>
-<FormTemplates xmlns="http://schemas.microsoft.com/sharepoint/v3/contenttype/forms">
-  <Display>DocumentLibraryForm</Display>
-  <Edit>DocumentLibraryForm</Edit>
-  <New>DocumentLibraryForm</New>
-</FormTemplates>
+<file path=customXml/itemProps1.xml><?xml version="1.0" encoding="utf-8"?>
+<ds:datastoreItem xmlns:ds="http://schemas.openxmlformats.org/officeDocument/2006/customXml" ds:itemID="{3834EEC2-295B-443A-8029-DF87F749AE1B}">
+  <ds:schemaRefs>
+    <ds:schemaRef ds:uri="3fb8dc1b-9d59-4105-bc07-f1f968f5154f"/>
+    <ds:schemaRef ds:uri="5b6c06b5-1db8-4c81-aedd-b1bde2b8bfd2"/>
+    <ds:schemaRef ds:uri="http://purl.org/dc/dcmitype/"/>
+    <ds:schemaRef ds:uri="http://purl.org/dc/elements/1.1/"/>
+    <ds:schemaRef ds:uri="http://purl.org/dc/terms/"/>
+    <ds:schemaRef ds:uri="http://schemas.microsoft.com/office/2006/documentManagement/types"/>
+    <ds:schemaRef ds:uri="http://schemas.microsoft.com/office/2006/metadata/properties"/>
+    <ds:schemaRef ds:uri="http://schemas.microsoft.com/office/infopath/2007/PartnerControls"/>
+    <ds:schemaRef ds:uri="http://schemas.openxmlformats.org/package/2006/metadata/core-properties"/>
+    <ds:schemaRef ds:uri="http://www.w3.org/XML/1998/namespace"/>
+  </ds:schemaRefs>
+</ds:datastoreItem>
 </file>
 
-<file path=customXml/item3.xml><?xml version="1.0" encoding="utf-8"?>
-<p:properties xmlns:p="http://schemas.microsoft.com/office/2006/metadata/properties" xmlns:xsi="http://www.w3.org/2001/XMLSchema-instance" xmlns:pc="http://schemas.microsoft.com/office/infopath/2007/PartnerControls">
-  <documentManagement>
-    <SharedWithUsers xmlns="3fb8dc1b-9d59-4105-bc07-f1f968f5154f">
-      <UserInfo>
-        <DisplayName>Budelmann, Enno</DisplayName>
-        <AccountId>12</AccountId>
-        <AccountType/>
-      </UserInfo>
-      <UserInfo>
-        <DisplayName>SharingLinks.3068ac1d-a568-467f-a8c0-63ecd7162cbd.OrganizationEdit.ce5b78f9-ebba-4333-b65e-3f12b5be2b22</DisplayName>
-        <AccountId>40</AccountId>
-        <AccountType/>
-      </UserInfo>
-      <UserInfo>
-        <DisplayName>Junker, Sebastian</DisplayName>
-        <AccountId>15</AccountId>
-        <AccountType/>
-      </UserInfo>
-      <UserInfo>
-        <DisplayName>Bunk, Justus</DisplayName>
-        <AccountId>201</AccountId>
-        <AccountType/>
-      </UserInfo>
-    </SharedWithUsers>
-    <lcf76f155ced4ddcb4097134ff3c332f xmlns="5b6c06b5-1db8-4c81-aedd-b1bde2b8bfd2">
-      <Terms xmlns="http://schemas.microsoft.com/office/infopath/2007/PartnerControls"/>
-    </lcf76f155ced4ddcb4097134ff3c332f>
-    <TaxCatchAll xmlns="3fb8dc1b-9d59-4105-bc07-f1f968f5154f" xsi:nil="true"/>
-  </documentManagement>
-</p:properties>
+<file path=customXml/itemProps2.xml><?xml version="1.0" encoding="utf-8"?>
+<ds:datastoreItem xmlns:ds="http://schemas.openxmlformats.org/officeDocument/2006/customXml" ds:itemID="{A76FA841-F04D-4D27-A487-F98BD028EA91}">
+  <ds:schemaRefs>
+    <ds:schemaRef ds:uri="http://schemas.microsoft.com/sharepoint/v3/contenttype/forms"/>
+  </ds:schemaRefs>
+</ds:datastoreItem>
 </file>
 
-<file path=customXml/itemProps1.xml><?xml version="1.0" encoding="utf-8"?>
+<file path=customXml/itemProps3.xml><?xml version="1.0" encoding="utf-8"?>
 <ds:datastoreItem xmlns:ds="http://schemas.openxmlformats.org/officeDocument/2006/customXml" ds:itemID="{E8709FC7-DADA-4BD7-AD71-1B217709B124}">
   <ds:schemaRefs>
     <ds:schemaRef ds:uri="http://schemas.microsoft.com/office/2006/metadata/contentType"/>
@@ -6432,29 +6778,4 @@
     <ds:schemaRef ds:uri="http://schemas.microsoft.com/internal/obd"/>
   </ds:schemaRefs>
 </ds:datastoreItem>
-</file>
-
-<file path=customXml/itemProps2.xml><?xml version="1.0" encoding="utf-8"?>
-<ds:datastoreItem xmlns:ds="http://schemas.openxmlformats.org/officeDocument/2006/customXml" ds:itemID="{A76FA841-F04D-4D27-A487-F98BD028EA91}">
-  <ds:schemaRefs>
-    <ds:schemaRef ds:uri="http://schemas.microsoft.com/sharepoint/v3/contenttype/forms"/>
-  </ds:schemaRefs>
-</ds:datastoreItem>
-</file>
-
-<file path=customXml/itemProps3.xml><?xml version="1.0" encoding="utf-8"?>
-<ds:datastoreItem xmlns:ds="http://schemas.openxmlformats.org/officeDocument/2006/customXml" ds:itemID="{3834EEC2-295B-443A-8029-DF87F749AE1B}">
-  <ds:schemaRefs>
-    <ds:schemaRef ds:uri="3fb8dc1b-9d59-4105-bc07-f1f968f5154f"/>
-    <ds:schemaRef ds:uri="5b6c06b5-1db8-4c81-aedd-b1bde2b8bfd2"/>
-    <ds:schemaRef ds:uri="http://purl.org/dc/dcmitype/"/>
-    <ds:schemaRef ds:uri="http://purl.org/dc/elements/1.1/"/>
-    <ds:schemaRef ds:uri="http://purl.org/dc/terms/"/>
-    <ds:schemaRef ds:uri="http://schemas.microsoft.com/office/2006/documentManagement/types"/>
-    <ds:schemaRef ds:uri="http://schemas.microsoft.com/office/2006/metadata/properties"/>
-    <ds:schemaRef ds:uri="http://schemas.microsoft.com/office/infopath/2007/PartnerControls"/>
-    <ds:schemaRef ds:uri="http://schemas.openxmlformats.org/package/2006/metadata/core-properties"/>
-    <ds:schemaRef ds:uri="http://www.w3.org/XML/1998/namespace"/>
-  </ds:schemaRefs>
-</ds:datastoreItem>
 </file>
--- a/case_study_template_1_16_9_de.pptx
+++ b/case_study_template_1_16_9_de.pptx
@@ -651,7 +651,7 @@
   <pc:docChgLst>
     <pc:chgData name="vonWaldow, Ulrich" userId="c64b3fe1-2fbf-4408-adc4-30add62e991f" providerId="ADAL" clId="{7565AB0A-5E6A-4A6E-A466-98EA7772229E}"/>
     <pc:docChg chg="undo redo custSel addSld delSld modSld modMainMaster replTag">
-      <pc:chgData name="vonWaldow, Ulrich" userId="c64b3fe1-2fbf-4408-adc4-30add62e991f" providerId="ADAL" clId="{7565AB0A-5E6A-4A6E-A466-98EA7772229E}" dt="2024-09-05T14:59:29.602" v="165" actId="47"/>
+      <pc:chgData name="vonWaldow, Ulrich" userId="c64b3fe1-2fbf-4408-adc4-30add62e991f" providerId="ADAL" clId="{7565AB0A-5E6A-4A6E-A466-98EA7772229E}" dt="2024-09-06T08:59:14.165" v="167" actId="20577"/>
       <pc:docMkLst>
         <pc:docMk/>
       </pc:docMkLst>
@@ -935,7 +935,7 @@
         </pc:graphicFrameChg>
       </pc:sldChg>
       <pc:sldChg chg="addSp modSp new mod">
-        <pc:chgData name="vonWaldow, Ulrich" userId="c64b3fe1-2fbf-4408-adc4-30add62e991f" providerId="ADAL" clId="{7565AB0A-5E6A-4A6E-A466-98EA7772229E}" dt="2024-09-05T14:59:25.821" v="164" actId="20577"/>
+        <pc:chgData name="vonWaldow, Ulrich" userId="c64b3fe1-2fbf-4408-adc4-30add62e991f" providerId="ADAL" clId="{7565AB0A-5E6A-4A6E-A466-98EA7772229E}" dt="2024-09-06T08:59:14.165" v="167" actId="20577"/>
         <pc:sldMkLst>
           <pc:docMk/>
           <pc:sldMk cId="1004921193" sldId="263"/>
@@ -973,7 +973,7 @@
           </ac:spMkLst>
         </pc:spChg>
         <pc:spChg chg="mod">
-          <ac:chgData name="vonWaldow, Ulrich" userId="c64b3fe1-2fbf-4408-adc4-30add62e991f" providerId="ADAL" clId="{7565AB0A-5E6A-4A6E-A466-98EA7772229E}" dt="2024-09-05T14:59:25.821" v="164" actId="20577"/>
+          <ac:chgData name="vonWaldow, Ulrich" userId="c64b3fe1-2fbf-4408-adc4-30add62e991f" providerId="ADAL" clId="{7565AB0A-5E6A-4A6E-A466-98EA7772229E}" dt="2024-09-06T08:59:14.165" v="167" actId="20577"/>
           <ac:spMkLst>
             <pc:docMk/>
             <pc:sldMk cId="1004921193" sldId="263"/>
@@ -1245,7 +1245,7 @@
           <a:p>
             <a:fld id="{8CADF67D-6B33-4511-8215-1BAA75E9A259}" type="datetimeFigureOut">
               <a:rPr lang="de-DE" smtClean="0"/>
-              <a:t>05.09.2024</a:t>
+              <a:t>06.09.2024</a:t>
             </a:fld>
             <a:endParaRPr lang="de-DE"/>
           </a:p>
@@ -1422,7 +1422,7 @@
           <a:p>
             <a:fld id="{29BB4B0D-3BE5-4B36-92D1-1D1058870271}" type="datetimeFigureOut">
               <a:rPr lang="de-DE" smtClean="0"/>
-              <a:t>05.09.2024</a:t>
+              <a:t>06.09.2024</a:t>
             </a:fld>
             <a:endParaRPr lang="de-DE"/>
           </a:p>
@@ -5134,9 +5134,10 @@
           <a:lstStyle/>
           <a:p>
             <a:r>
-              <a:rPr lang="en-US" dirty="0"/>
+              <a:rPr lang="en-US"/>
               <a:t>Picture_1</a:t>
             </a:r>
+            <a:endParaRPr lang="en-US" dirty="0"/>
           </a:p>
         </p:txBody>
       </p:sp>
@@ -6440,48 +6441,6 @@
 </file>
 
 <file path=customXml/item1.xml><?xml version="1.0" encoding="utf-8"?>
-<p:properties xmlns:p="http://schemas.microsoft.com/office/2006/metadata/properties" xmlns:xsi="http://www.w3.org/2001/XMLSchema-instance" xmlns:pc="http://schemas.microsoft.com/office/infopath/2007/PartnerControls">
-  <documentManagement>
-    <SharedWithUsers xmlns="3fb8dc1b-9d59-4105-bc07-f1f968f5154f">
-      <UserInfo>
-        <DisplayName>Budelmann, Enno</DisplayName>
-        <AccountId>12</AccountId>
-        <AccountType/>
-      </UserInfo>
-      <UserInfo>
-        <DisplayName>SharingLinks.3068ac1d-a568-467f-a8c0-63ecd7162cbd.OrganizationEdit.ce5b78f9-ebba-4333-b65e-3f12b5be2b22</DisplayName>
-        <AccountId>40</AccountId>
-        <AccountType/>
-      </UserInfo>
-      <UserInfo>
-        <DisplayName>Junker, Sebastian</DisplayName>
-        <AccountId>15</AccountId>
-        <AccountType/>
-      </UserInfo>
-      <UserInfo>
-        <DisplayName>Bunk, Justus</DisplayName>
-        <AccountId>201</AccountId>
-        <AccountType/>
-      </UserInfo>
-    </SharedWithUsers>
-    <lcf76f155ced4ddcb4097134ff3c332f xmlns="5b6c06b5-1db8-4c81-aedd-b1bde2b8bfd2">
-      <Terms xmlns="http://schemas.microsoft.com/office/infopath/2007/PartnerControls"/>
-    </lcf76f155ced4ddcb4097134ff3c332f>
-    <TaxCatchAll xmlns="3fb8dc1b-9d59-4105-bc07-f1f968f5154f" xsi:nil="true"/>
-  </documentManagement>
-</p:properties>
-</file>
-
-<file path=customXml/item2.xml><?xml version="1.0" encoding="utf-8"?>
-<?mso-contentType ?>
-<FormTemplates xmlns="http://schemas.microsoft.com/sharepoint/v3/contenttype/forms">
-  <Display>DocumentLibraryForm</Display>
-  <Edit>DocumentLibraryForm</Edit>
-  <New>DocumentLibraryForm</New>
-</FormTemplates>
-</file>
-
-<file path=customXml/item3.xml><?xml version="1.0" encoding="utf-8"?>
 <ct:contentTypeSchema xmlns:ct="http://schemas.microsoft.com/office/2006/metadata/contentType" xmlns:ma="http://schemas.microsoft.com/office/2006/metadata/properties/metaAttributes" ct:_="" ma:_="" ma:contentTypeName="Dokument" ma:contentTypeID="0x0101004FA53E48D41D05439A7FB623C7478AFF" ma:contentTypeVersion="18" ma:contentTypeDescription="Ein neues Dokument erstellen." ma:contentTypeScope="" ma:versionID="495b3b6b5079efe696b8d9f588648941">
   <xsd:schema xmlns:xsd="http://www.w3.org/2001/XMLSchema" xmlns:xs="http://www.w3.org/2001/XMLSchema" xmlns:p="http://schemas.microsoft.com/office/2006/metadata/properties" xmlns:ns2="5b6c06b5-1db8-4c81-aedd-b1bde2b8bfd2" xmlns:ns3="3fb8dc1b-9d59-4105-bc07-f1f968f5154f" targetNamespace="http://schemas.microsoft.com/office/2006/metadata/properties" ma:root="true" ma:fieldsID="2182acfa1422538829d9682ba2cc316e" ns2:_="" ns3:_="">
     <xsd:import namespace="5b6c06b5-1db8-4c81-aedd-b1bde2b8bfd2"/>
@@ -6736,32 +6695,49 @@
 </ct:contentTypeSchema>
 </file>
 
-<file path=customXml/itemProps1.xml><?xml version="1.0" encoding="utf-8"?>
-<ds:datastoreItem xmlns:ds="http://schemas.openxmlformats.org/officeDocument/2006/customXml" ds:itemID="{3834EEC2-295B-443A-8029-DF87F749AE1B}">
-  <ds:schemaRefs>
-    <ds:schemaRef ds:uri="3fb8dc1b-9d59-4105-bc07-f1f968f5154f"/>
-    <ds:schemaRef ds:uri="5b6c06b5-1db8-4c81-aedd-b1bde2b8bfd2"/>
-    <ds:schemaRef ds:uri="http://purl.org/dc/dcmitype/"/>
-    <ds:schemaRef ds:uri="http://purl.org/dc/elements/1.1/"/>
-    <ds:schemaRef ds:uri="http://purl.org/dc/terms/"/>
-    <ds:schemaRef ds:uri="http://schemas.microsoft.com/office/2006/documentManagement/types"/>
-    <ds:schemaRef ds:uri="http://schemas.microsoft.com/office/2006/metadata/properties"/>
-    <ds:schemaRef ds:uri="http://schemas.microsoft.com/office/infopath/2007/PartnerControls"/>
-    <ds:schemaRef ds:uri="http://schemas.openxmlformats.org/package/2006/metadata/core-properties"/>
-    <ds:schemaRef ds:uri="http://www.w3.org/XML/1998/namespace"/>
-  </ds:schemaRefs>
-</ds:datastoreItem>
+<file path=customXml/item2.xml><?xml version="1.0" encoding="utf-8"?>
+<?mso-contentType ?>
+<FormTemplates xmlns="http://schemas.microsoft.com/sharepoint/v3/contenttype/forms">
+  <Display>DocumentLibraryForm</Display>
+  <Edit>DocumentLibraryForm</Edit>
+  <New>DocumentLibraryForm</New>
+</FormTemplates>
 </file>
 
-<file path=customXml/itemProps2.xml><?xml version="1.0" encoding="utf-8"?>
-<ds:datastoreItem xmlns:ds="http://schemas.openxmlformats.org/officeDocument/2006/customXml" ds:itemID="{A76FA841-F04D-4D27-A487-F98BD028EA91}">
-  <ds:schemaRefs>
-    <ds:schemaRef ds:uri="http://schemas.microsoft.com/sharepoint/v3/contenttype/forms"/>
-  </ds:schemaRefs>
-</ds:datastoreItem>
+<file path=customXml/item3.xml><?xml version="1.0" encoding="utf-8"?>
+<p:properties xmlns:p="http://schemas.microsoft.com/office/2006/metadata/properties" xmlns:xsi="http://www.w3.org/2001/XMLSchema-instance" xmlns:pc="http://schemas.microsoft.com/office/infopath/2007/PartnerControls">
+  <documentManagement>
+    <SharedWithUsers xmlns="3fb8dc1b-9d59-4105-bc07-f1f968f5154f">
+      <UserInfo>
+        <DisplayName>Budelmann, Enno</DisplayName>
+        <AccountId>12</AccountId>
+        <AccountType/>
+      </UserInfo>
+      <UserInfo>
+        <DisplayName>SharingLinks.3068ac1d-a568-467f-a8c0-63ecd7162cbd.OrganizationEdit.ce5b78f9-ebba-4333-b65e-3f12b5be2b22</DisplayName>
+        <AccountId>40</AccountId>
+        <AccountType/>
+      </UserInfo>
+      <UserInfo>
+        <DisplayName>Junker, Sebastian</DisplayName>
+        <AccountId>15</AccountId>
+        <AccountType/>
+      </UserInfo>
+      <UserInfo>
+        <DisplayName>Bunk, Justus</DisplayName>
+        <AccountId>201</AccountId>
+        <AccountType/>
+      </UserInfo>
+    </SharedWithUsers>
+    <lcf76f155ced4ddcb4097134ff3c332f xmlns="5b6c06b5-1db8-4c81-aedd-b1bde2b8bfd2">
+      <Terms xmlns="http://schemas.microsoft.com/office/infopath/2007/PartnerControls"/>
+    </lcf76f155ced4ddcb4097134ff3c332f>
+    <TaxCatchAll xmlns="3fb8dc1b-9d59-4105-bc07-f1f968f5154f" xsi:nil="true"/>
+  </documentManagement>
+</p:properties>
 </file>
 
-<file path=customXml/itemProps3.xml><?xml version="1.0" encoding="utf-8"?>
+<file path=customXml/itemProps1.xml><?xml version="1.0" encoding="utf-8"?>
 <ds:datastoreItem xmlns:ds="http://schemas.openxmlformats.org/officeDocument/2006/customXml" ds:itemID="{E8709FC7-DADA-4BD7-AD71-1B217709B124}">
   <ds:schemaRefs>
     <ds:schemaRef ds:uri="http://schemas.microsoft.com/office/2006/metadata/contentType"/>
@@ -6778,4 +6754,29 @@
     <ds:schemaRef ds:uri="http://schemas.microsoft.com/internal/obd"/>
   </ds:schemaRefs>
 </ds:datastoreItem>
+</file>
+
+<file path=customXml/itemProps2.xml><?xml version="1.0" encoding="utf-8"?>
+<ds:datastoreItem xmlns:ds="http://schemas.openxmlformats.org/officeDocument/2006/customXml" ds:itemID="{A76FA841-F04D-4D27-A487-F98BD028EA91}">
+  <ds:schemaRefs>
+    <ds:schemaRef ds:uri="http://schemas.microsoft.com/sharepoint/v3/contenttype/forms"/>
+  </ds:schemaRefs>
+</ds:datastoreItem>
+</file>
+
+<file path=customXml/itemProps3.xml><?xml version="1.0" encoding="utf-8"?>
+<ds:datastoreItem xmlns:ds="http://schemas.openxmlformats.org/officeDocument/2006/customXml" ds:itemID="{3834EEC2-295B-443A-8029-DF87F749AE1B}">
+  <ds:schemaRefs>
+    <ds:schemaRef ds:uri="3fb8dc1b-9d59-4105-bc07-f1f968f5154f"/>
+    <ds:schemaRef ds:uri="5b6c06b5-1db8-4c81-aedd-b1bde2b8bfd2"/>
+    <ds:schemaRef ds:uri="http://purl.org/dc/dcmitype/"/>
+    <ds:schemaRef ds:uri="http://purl.org/dc/elements/1.1/"/>
+    <ds:schemaRef ds:uri="http://purl.org/dc/terms/"/>
+    <ds:schemaRef ds:uri="http://schemas.microsoft.com/office/2006/documentManagement/types"/>
+    <ds:schemaRef ds:uri="http://schemas.microsoft.com/office/2006/metadata/properties"/>
+    <ds:schemaRef ds:uri="http://schemas.microsoft.com/office/infopath/2007/PartnerControls"/>
+    <ds:schemaRef ds:uri="http://schemas.openxmlformats.org/package/2006/metadata/core-properties"/>
+    <ds:schemaRef ds:uri="http://www.w3.org/XML/1998/namespace"/>
+  </ds:schemaRefs>
+</ds:datastoreItem>
 </file>
--- a/case_study_template_1_16_9_de.pptx
+++ b/case_study_template_1_16_9_de.pptx
@@ -651,7 +651,7 @@
   <pc:docChgLst>
     <pc:chgData name="vonWaldow, Ulrich" userId="c64b3fe1-2fbf-4408-adc4-30add62e991f" providerId="ADAL" clId="{7565AB0A-5E6A-4A6E-A466-98EA7772229E}"/>
     <pc:docChg chg="undo redo custSel addSld delSld modSld modMainMaster replTag">
-      <pc:chgData name="vonWaldow, Ulrich" userId="c64b3fe1-2fbf-4408-adc4-30add62e991f" providerId="ADAL" clId="{7565AB0A-5E6A-4A6E-A466-98EA7772229E}" dt="2024-09-06T08:59:14.165" v="167" actId="20577"/>
+      <pc:chgData name="vonWaldow, Ulrich" userId="c64b3fe1-2fbf-4408-adc4-30add62e991f" providerId="ADAL" clId="{7565AB0A-5E6A-4A6E-A466-98EA7772229E}" dt="2024-09-09T12:30:33.536" v="189" actId="20577"/>
       <pc:docMkLst>
         <pc:docMk/>
       </pc:docMkLst>
@@ -935,7 +935,7 @@
         </pc:graphicFrameChg>
       </pc:sldChg>
       <pc:sldChg chg="addSp modSp new mod">
-        <pc:chgData name="vonWaldow, Ulrich" userId="c64b3fe1-2fbf-4408-adc4-30add62e991f" providerId="ADAL" clId="{7565AB0A-5E6A-4A6E-A466-98EA7772229E}" dt="2024-09-06T08:59:14.165" v="167" actId="20577"/>
+        <pc:chgData name="vonWaldow, Ulrich" userId="c64b3fe1-2fbf-4408-adc4-30add62e991f" providerId="ADAL" clId="{7565AB0A-5E6A-4A6E-A466-98EA7772229E}" dt="2024-09-09T12:30:33.536" v="189" actId="20577"/>
         <pc:sldMkLst>
           <pc:docMk/>
           <pc:sldMk cId="1004921193" sldId="263"/>
@@ -981,7 +981,7 @@
           </ac:spMkLst>
         </pc:spChg>
         <pc:spChg chg="mod">
-          <ac:chgData name="vonWaldow, Ulrich" userId="c64b3fe1-2fbf-4408-adc4-30add62e991f" providerId="ADAL" clId="{7565AB0A-5E6A-4A6E-A466-98EA7772229E}" dt="2024-09-05T14:58:10.394" v="127" actId="20577"/>
+          <ac:chgData name="vonWaldow, Ulrich" userId="c64b3fe1-2fbf-4408-adc4-30add62e991f" providerId="ADAL" clId="{7565AB0A-5E6A-4A6E-A466-98EA7772229E}" dt="2024-09-09T12:30:33.536" v="189" actId="20577"/>
           <ac:spMkLst>
             <pc:docMk/>
             <pc:sldMk cId="1004921193" sldId="263"/>
@@ -1245,7 +1245,7 @@
           <a:p>
             <a:fld id="{8CADF67D-6B33-4511-8215-1BAA75E9A259}" type="datetimeFigureOut">
               <a:rPr lang="de-DE" smtClean="0"/>
-              <a:t>06.09.2024</a:t>
+              <a:t>09.09.2024</a:t>
             </a:fld>
             <a:endParaRPr lang="de-DE"/>
           </a:p>
@@ -1422,7 +1422,7 @@
           <a:p>
             <a:fld id="{29BB4B0D-3BE5-4B36-92D1-1D1058870271}" type="datetimeFigureOut">
               <a:rPr lang="de-DE" smtClean="0"/>
-              <a:t>06.09.2024</a:t>
+              <a:t>09.09.2024</a:t>
             </a:fld>
             <a:endParaRPr lang="de-DE"/>
           </a:p>
@@ -5164,7 +5164,7 @@
           <a:p>
             <a:r>
               <a:rPr lang="en-US" dirty="0"/>
-              <a:t>Industry</a:t>
+              <a:t>Industry | Company description</a:t>
             </a:r>
           </a:p>
         </p:txBody>
@@ -6441,6 +6441,48 @@
 </file>
 
 <file path=customXml/item1.xml><?xml version="1.0" encoding="utf-8"?>
+<p:properties xmlns:p="http://schemas.microsoft.com/office/2006/metadata/properties" xmlns:xsi="http://www.w3.org/2001/XMLSchema-instance" xmlns:pc="http://schemas.microsoft.com/office/infopath/2007/PartnerControls">
+  <documentManagement>
+    <SharedWithUsers xmlns="3fb8dc1b-9d59-4105-bc07-f1f968f5154f">
+      <UserInfo>
+        <DisplayName>Budelmann, Enno</DisplayName>
+        <AccountId>12</AccountId>
+        <AccountType/>
+      </UserInfo>
+      <UserInfo>
+        <DisplayName>SharingLinks.3068ac1d-a568-467f-a8c0-63ecd7162cbd.OrganizationEdit.ce5b78f9-ebba-4333-b65e-3f12b5be2b22</DisplayName>
+        <AccountId>40</AccountId>
+        <AccountType/>
+      </UserInfo>
+      <UserInfo>
+        <DisplayName>Junker, Sebastian</DisplayName>
+        <AccountId>15</AccountId>
+        <AccountType/>
+      </UserInfo>
+      <UserInfo>
+        <DisplayName>Bunk, Justus</DisplayName>
+        <AccountId>201</AccountId>
+        <AccountType/>
+      </UserInfo>
+    </SharedWithUsers>
+    <lcf76f155ced4ddcb4097134ff3c332f xmlns="5b6c06b5-1db8-4c81-aedd-b1bde2b8bfd2">
+      <Terms xmlns="http://schemas.microsoft.com/office/infopath/2007/PartnerControls"/>
+    </lcf76f155ced4ddcb4097134ff3c332f>
+    <TaxCatchAll xmlns="3fb8dc1b-9d59-4105-bc07-f1f968f5154f" xsi:nil="true"/>
+  </documentManagement>
+</p:properties>
+</file>
+
+<file path=customXml/item2.xml><?xml version="1.0" encoding="utf-8"?>
+<?mso-contentType ?>
+<FormTemplates xmlns="http://schemas.microsoft.com/sharepoint/v3/contenttype/forms">
+  <Display>DocumentLibraryForm</Display>
+  <Edit>DocumentLibraryForm</Edit>
+  <New>DocumentLibraryForm</New>
+</FormTemplates>
+</file>
+
+<file path=customXml/item3.xml><?xml version="1.0" encoding="utf-8"?>
 <ct:contentTypeSchema xmlns:ct="http://schemas.microsoft.com/office/2006/metadata/contentType" xmlns:ma="http://schemas.microsoft.com/office/2006/metadata/properties/metaAttributes" ct:_="" ma:_="" ma:contentTypeName="Dokument" ma:contentTypeID="0x0101004FA53E48D41D05439A7FB623C7478AFF" ma:contentTypeVersion="18" ma:contentTypeDescription="Ein neues Dokument erstellen." ma:contentTypeScope="" ma:versionID="495b3b6b5079efe696b8d9f588648941">
   <xsd:schema xmlns:xsd="http://www.w3.org/2001/XMLSchema" xmlns:xs="http://www.w3.org/2001/XMLSchema" xmlns:p="http://schemas.microsoft.com/office/2006/metadata/properties" xmlns:ns2="5b6c06b5-1db8-4c81-aedd-b1bde2b8bfd2" xmlns:ns3="3fb8dc1b-9d59-4105-bc07-f1f968f5154f" targetNamespace="http://schemas.microsoft.com/office/2006/metadata/properties" ma:root="true" ma:fieldsID="2182acfa1422538829d9682ba2cc316e" ns2:_="" ns3:_="">
     <xsd:import namespace="5b6c06b5-1db8-4c81-aedd-b1bde2b8bfd2"/>
@@ -6695,49 +6737,32 @@
 </ct:contentTypeSchema>
 </file>
 
-<file path=customXml/item2.xml><?xml version="1.0" encoding="utf-8"?>
-<?mso-contentType ?>
-<FormTemplates xmlns="http://schemas.microsoft.com/sharepoint/v3/contenttype/forms">
-  <Display>DocumentLibraryForm</Display>
-  <Edit>DocumentLibraryForm</Edit>
-  <New>DocumentLibraryForm</New>
-</FormTemplates>
+<file path=customXml/itemProps1.xml><?xml version="1.0" encoding="utf-8"?>
+<ds:datastoreItem xmlns:ds="http://schemas.openxmlformats.org/officeDocument/2006/customXml" ds:itemID="{3834EEC2-295B-443A-8029-DF87F749AE1B}">
+  <ds:schemaRefs>
+    <ds:schemaRef ds:uri="3fb8dc1b-9d59-4105-bc07-f1f968f5154f"/>
+    <ds:schemaRef ds:uri="5b6c06b5-1db8-4c81-aedd-b1bde2b8bfd2"/>
+    <ds:schemaRef ds:uri="http://purl.org/dc/dcmitype/"/>
+    <ds:schemaRef ds:uri="http://purl.org/dc/elements/1.1/"/>
+    <ds:schemaRef ds:uri="http://purl.org/dc/terms/"/>
+    <ds:schemaRef ds:uri="http://schemas.microsoft.com/office/2006/documentManagement/types"/>
+    <ds:schemaRef ds:uri="http://schemas.microsoft.com/office/2006/metadata/properties"/>
+    <ds:schemaRef ds:uri="http://schemas.microsoft.com/office/infopath/2007/PartnerControls"/>
+    <ds:schemaRef ds:uri="http://schemas.openxmlformats.org/package/2006/metadata/core-properties"/>
+    <ds:schemaRef ds:uri="http://www.w3.org/XML/1998/namespace"/>
+  </ds:schemaRefs>
+</ds:datastoreItem>
 </file>
 
-<file path=customXml/item3.xml><?xml version="1.0" encoding="utf-8"?>
-<p:properties xmlns:p="http://schemas.microsoft.com/office/2006/metadata/properties" xmlns:xsi="http://www.w3.org/2001/XMLSchema-instance" xmlns:pc="http://schemas.microsoft.com/office/infopath/2007/PartnerControls">
-  <documentManagement>
-    <SharedWithUsers xmlns="3fb8dc1b-9d59-4105-bc07-f1f968f5154f">
-      <UserInfo>
-        <DisplayName>Budelmann, Enno</DisplayName>
-        <AccountId>12</AccountId>
-        <AccountType/>
-      </UserInfo>
-      <UserInfo>
-        <DisplayName>SharingLinks.3068ac1d-a568-467f-a8c0-63ecd7162cbd.OrganizationEdit.ce5b78f9-ebba-4333-b65e-3f12b5be2b22</DisplayName>
-        <AccountId>40</AccountId>
-        <AccountType/>
-      </UserInfo>
-      <UserInfo>
-        <DisplayName>Junker, Sebastian</DisplayName>
-        <AccountId>15</AccountId>
-        <AccountType/>
-      </UserInfo>
-      <UserInfo>
-        <DisplayName>Bunk, Justus</DisplayName>
-        <AccountId>201</AccountId>
-        <AccountType/>
-      </UserInfo>
-    </SharedWithUsers>
-    <lcf76f155ced4ddcb4097134ff3c332f xmlns="5b6c06b5-1db8-4c81-aedd-b1bde2b8bfd2">
-      <Terms xmlns="http://schemas.microsoft.com/office/infopath/2007/PartnerControls"/>
-    </lcf76f155ced4ddcb4097134ff3c332f>
-    <TaxCatchAll xmlns="3fb8dc1b-9d59-4105-bc07-f1f968f5154f" xsi:nil="true"/>
-  </documentManagement>
-</p:properties>
+<file path=customXml/itemProps2.xml><?xml version="1.0" encoding="utf-8"?>
+<ds:datastoreItem xmlns:ds="http://schemas.openxmlformats.org/officeDocument/2006/customXml" ds:itemID="{A76FA841-F04D-4D27-A487-F98BD028EA91}">
+  <ds:schemaRefs>
+    <ds:schemaRef ds:uri="http://schemas.microsoft.com/sharepoint/v3/contenttype/forms"/>
+  </ds:schemaRefs>
+</ds:datastoreItem>
 </file>
 
-<file path=customXml/itemProps1.xml><?xml version="1.0" encoding="utf-8"?>
+<file path=customXml/itemProps3.xml><?xml version="1.0" encoding="utf-8"?>
 <ds:datastoreItem xmlns:ds="http://schemas.openxmlformats.org/officeDocument/2006/customXml" ds:itemID="{E8709FC7-DADA-4BD7-AD71-1B217709B124}">
   <ds:schemaRefs>
     <ds:schemaRef ds:uri="http://schemas.microsoft.com/office/2006/metadata/contentType"/>
@@ -6754,29 +6779,4 @@
     <ds:schemaRef ds:uri="http://schemas.microsoft.com/internal/obd"/>
   </ds:schemaRefs>
 </ds:datastoreItem>
-</file>
-
-<file path=customXml/itemProps2.xml><?xml version="1.0" encoding="utf-8"?>
-<ds:datastoreItem xmlns:ds="http://schemas.openxmlformats.org/officeDocument/2006/customXml" ds:itemID="{A76FA841-F04D-4D27-A487-F98BD028EA91}">
-  <ds:schemaRefs>
-    <ds:schemaRef ds:uri="http://schemas.microsoft.com/sharepoint/v3/contenttype/forms"/>
-  </ds:schemaRefs>
-</ds:datastoreItem>
-</file>
-
-<file path=customXml/itemProps3.xml><?xml version="1.0" encoding="utf-8"?>
-<ds:datastoreItem xmlns:ds="http://schemas.openxmlformats.org/officeDocument/2006/customXml" ds:itemID="{3834EEC2-295B-443A-8029-DF87F749AE1B}">
-  <ds:schemaRefs>
-    <ds:schemaRef ds:uri="3fb8dc1b-9d59-4105-bc07-f1f968f5154f"/>
-    <ds:schemaRef ds:uri="5b6c06b5-1db8-4c81-aedd-b1bde2b8bfd2"/>
-    <ds:schemaRef ds:uri="http://purl.org/dc/dcmitype/"/>
-    <ds:schemaRef ds:uri="http://purl.org/dc/elements/1.1/"/>
-    <ds:schemaRef ds:uri="http://purl.org/dc/terms/"/>
-    <ds:schemaRef ds:uri="http://schemas.microsoft.com/office/2006/documentManagement/types"/>
-    <ds:schemaRef ds:uri="http://schemas.microsoft.com/office/2006/metadata/properties"/>
-    <ds:schemaRef ds:uri="http://schemas.microsoft.com/office/infopath/2007/PartnerControls"/>
-    <ds:schemaRef ds:uri="http://schemas.openxmlformats.org/package/2006/metadata/core-properties"/>
-    <ds:schemaRef ds:uri="http://www.w3.org/XML/1998/namespace"/>
-  </ds:schemaRefs>
-</ds:datastoreItem>
 </file>